--- a/宣道詩/(宣道詩41)主除了我罪污.pptx
+++ b/宣道詩/(宣道詩41)主除了我罪污.pptx
@@ -8,11 +8,20 @@
     <p:sldId id="256" r:id="rId2"/>
     <p:sldId id="257" r:id="rId3"/>
     <p:sldId id="258" r:id="rId4"/>
-    <p:sldId id="263" r:id="rId5"/>
+    <p:sldId id="259" r:id="rId5"/>
     <p:sldId id="260" r:id="rId6"/>
-    <p:sldId id="264" r:id="rId7"/>
+    <p:sldId id="261" r:id="rId7"/>
     <p:sldId id="262" r:id="rId8"/>
-    <p:sldId id="265" r:id="rId9"/>
+    <p:sldId id="263" r:id="rId9"/>
+    <p:sldId id="264" r:id="rId10"/>
+    <p:sldId id="265" r:id="rId11"/>
+    <p:sldId id="266" r:id="rId12"/>
+    <p:sldId id="267" r:id="rId13"/>
+    <p:sldId id="268" r:id="rId14"/>
+    <p:sldId id="269" r:id="rId15"/>
+    <p:sldId id="270" r:id="rId16"/>
+    <p:sldId id="271" r:id="rId17"/>
+    <p:sldId id="272" r:id="rId18"/>
   </p:sldIdLst>
   <p:sldSz cx="12192000" cy="6858000"/>
   <p:notesSz cx="6858000" cy="9144000"/>
@@ -312,7 +321,7 @@
             <a:fld id="{1A769E83-1B29-49CE-AA64-0CA30BAC09D0}" type="datetimeFigureOut">
               <a:rPr lang="zh-TW" altLang="en-US" smtClean="0"/>
               <a:pPr/>
-              <a:t>2020/4/8</a:t>
+              <a:t>2021/2/4</a:t>
             </a:fld>
             <a:endParaRPr lang="zh-TW" altLang="en-US"/>
           </a:p>
@@ -479,7 +488,7 @@
             <a:fld id="{1A769E83-1B29-49CE-AA64-0CA30BAC09D0}" type="datetimeFigureOut">
               <a:rPr lang="zh-TW" altLang="en-US" smtClean="0"/>
               <a:pPr/>
-              <a:t>2020/4/8</a:t>
+              <a:t>2021/2/4</a:t>
             </a:fld>
             <a:endParaRPr lang="zh-TW" altLang="en-US"/>
           </a:p>
@@ -656,7 +665,7 @@
             <a:fld id="{1A769E83-1B29-49CE-AA64-0CA30BAC09D0}" type="datetimeFigureOut">
               <a:rPr lang="zh-TW" altLang="en-US" smtClean="0"/>
               <a:pPr/>
-              <a:t>2020/4/8</a:t>
+              <a:t>2021/2/4</a:t>
             </a:fld>
             <a:endParaRPr lang="zh-TW" altLang="en-US"/>
           </a:p>
@@ -823,7 +832,7 @@
             <a:fld id="{1A769E83-1B29-49CE-AA64-0CA30BAC09D0}" type="datetimeFigureOut">
               <a:rPr lang="zh-TW" altLang="en-US" smtClean="0"/>
               <a:pPr/>
-              <a:t>2020/4/8</a:t>
+              <a:t>2021/2/4</a:t>
             </a:fld>
             <a:endParaRPr lang="zh-TW" altLang="en-US"/>
           </a:p>
@@ -1066,7 +1075,7 @@
             <a:fld id="{1A769E83-1B29-49CE-AA64-0CA30BAC09D0}" type="datetimeFigureOut">
               <a:rPr lang="zh-TW" altLang="en-US" smtClean="0"/>
               <a:pPr/>
-              <a:t>2020/4/8</a:t>
+              <a:t>2021/2/4</a:t>
             </a:fld>
             <a:endParaRPr lang="zh-TW" altLang="en-US"/>
           </a:p>
@@ -1351,7 +1360,7 @@
             <a:fld id="{1A769E83-1B29-49CE-AA64-0CA30BAC09D0}" type="datetimeFigureOut">
               <a:rPr lang="zh-TW" altLang="en-US" smtClean="0"/>
               <a:pPr/>
-              <a:t>2020/4/8</a:t>
+              <a:t>2021/2/4</a:t>
             </a:fld>
             <a:endParaRPr lang="zh-TW" altLang="en-US"/>
           </a:p>
@@ -1770,7 +1779,7 @@
             <a:fld id="{1A769E83-1B29-49CE-AA64-0CA30BAC09D0}" type="datetimeFigureOut">
               <a:rPr lang="zh-TW" altLang="en-US" smtClean="0"/>
               <a:pPr/>
-              <a:t>2020/4/8</a:t>
+              <a:t>2021/2/4</a:t>
             </a:fld>
             <a:endParaRPr lang="zh-TW" altLang="en-US"/>
           </a:p>
@@ -1885,7 +1894,7 @@
             <a:fld id="{1A769E83-1B29-49CE-AA64-0CA30BAC09D0}" type="datetimeFigureOut">
               <a:rPr lang="zh-TW" altLang="en-US" smtClean="0"/>
               <a:pPr/>
-              <a:t>2020/4/8</a:t>
+              <a:t>2021/2/4</a:t>
             </a:fld>
             <a:endParaRPr lang="zh-TW" altLang="en-US"/>
           </a:p>
@@ -1977,7 +1986,7 @@
             <a:fld id="{1A769E83-1B29-49CE-AA64-0CA30BAC09D0}" type="datetimeFigureOut">
               <a:rPr lang="zh-TW" altLang="en-US" smtClean="0"/>
               <a:pPr/>
-              <a:t>2020/4/8</a:t>
+              <a:t>2021/2/4</a:t>
             </a:fld>
             <a:endParaRPr lang="zh-TW" altLang="en-US"/>
           </a:p>
@@ -2251,7 +2260,7 @@
             <a:fld id="{1A769E83-1B29-49CE-AA64-0CA30BAC09D0}" type="datetimeFigureOut">
               <a:rPr lang="zh-TW" altLang="en-US" smtClean="0"/>
               <a:pPr/>
-              <a:t>2020/4/8</a:t>
+              <a:t>2021/2/4</a:t>
             </a:fld>
             <a:endParaRPr lang="zh-TW" altLang="en-US"/>
           </a:p>
@@ -2505,7 +2514,7 @@
             <a:fld id="{1A769E83-1B29-49CE-AA64-0CA30BAC09D0}" type="datetimeFigureOut">
               <a:rPr lang="zh-TW" altLang="en-US" smtClean="0"/>
               <a:pPr/>
-              <a:t>2020/4/8</a:t>
+              <a:t>2021/2/4</a:t>
             </a:fld>
             <a:endParaRPr lang="zh-TW" altLang="en-US"/>
           </a:p>
@@ -2720,7 +2729,7 @@
             <a:fld id="{1A769E83-1B29-49CE-AA64-0CA30BAC09D0}" type="datetimeFigureOut">
               <a:rPr lang="zh-TW" altLang="en-US" smtClean="0"/>
               <a:pPr/>
-              <a:t>2020/4/8</a:t>
+              <a:t>2021/2/4</a:t>
             </a:fld>
             <a:endParaRPr lang="zh-TW" altLang="en-US"/>
           </a:p>
@@ -3101,127 +3110,212 @@
             <p:ph type="title"/>
           </p:nvPr>
         </p:nvSpPr>
-        <p:spPr/>
-        <p:txBody>
-          <a:bodyPr/>
-          <a:lstStyle/>
-          <a:p>
-            <a:r>
-              <a:rPr lang="zh-TW" altLang="en-US" b="1" dirty="0">
+        <p:spPr>
+          <a:xfrm>
+            <a:off x="0" y="2857513"/>
+            <a:ext cx="12192000" cy="1143000"/>
+          </a:xfrm>
+        </p:spPr>
+        <p:txBody>
+          <a:bodyPr>
+            <a:noAutofit/>
+          </a:bodyPr>
+          <a:lstStyle/>
+          <a:p>
+            <a:r>
+              <a:rPr lang="zh-CN" altLang="en-US" sz="5333" b="1" u="sng" dirty="0">
                 <a:solidFill>
                   <a:srgbClr val="000066"/>
                 </a:solidFill>
+                <a:effectLst>
+                  <a:outerShdw blurRad="38100" dist="38100" dir="2700000" algn="tl">
+                    <a:srgbClr val="000000">
+                      <a:alpha val="43137"/>
+                    </a:srgbClr>
+                  </a:outerShdw>
+                </a:effectLst>
                 <a:latin typeface="微軟正黑體" pitchFamily="34" charset="-120"/>
                 <a:ea typeface="微軟正黑體" pitchFamily="34" charset="-120"/>
               </a:rPr>
-              <a:t>主除了我罪污</a:t>
-            </a:r>
-          </a:p>
-        </p:txBody>
-      </p:sp>
-      <p:sp>
-        <p:nvSpPr>
-          <p:cNvPr id="5" name="內容版面配置區 4"/>
-          <p:cNvSpPr>
-            <a:spLocks noGrp="1"/>
-          </p:cNvSpPr>
-          <p:nvPr>
-            <p:ph idx="1"/>
-          </p:nvPr>
-        </p:nvSpPr>
-        <p:spPr/>
-        <p:txBody>
-          <a:bodyPr>
-            <a:noAutofit/>
-          </a:bodyPr>
-          <a:lstStyle/>
-          <a:p>
-            <a:pPr algn="ctr">
-              <a:buNone/>
-            </a:pPr>
-            <a:r>
-              <a:rPr lang="zh-TW" altLang="en-US" sz="5400" b="1" dirty="0">
+              <a:t>宣道詩 </a:t>
+            </a:r>
+            <a:r>
+              <a:rPr lang="en-US" altLang="zh-CN" sz="5333" b="1" u="sng" dirty="0">
                 <a:solidFill>
                   <a:srgbClr val="000066"/>
                 </a:solidFill>
+                <a:effectLst>
+                  <a:outerShdw blurRad="38100" dist="38100" dir="2700000" algn="tl">
+                    <a:srgbClr val="000000">
+                      <a:alpha val="43137"/>
+                    </a:srgbClr>
+                  </a:outerShdw>
+                </a:effectLst>
                 <a:latin typeface="微軟正黑體" pitchFamily="34" charset="-120"/>
                 <a:ea typeface="微軟正黑體" pitchFamily="34" charset="-120"/>
               </a:rPr>
-              <a:t>我就主時心憂傷身困倦</a:t>
-            </a:r>
-          </a:p>
-          <a:p>
-            <a:pPr algn="ctr">
-              <a:buNone/>
-            </a:pPr>
-            <a:r>
-              <a:rPr lang="zh-TW" altLang="en-US" sz="5400" b="1" dirty="0">
-                <a:solidFill>
-                  <a:srgbClr val="000066"/>
-                </a:solidFill>
+              <a:t>41</a:t>
+            </a:r>
+            <a:r>
+              <a:rPr lang="en-US" altLang="zh-CN" sz="7200" b="1" i="1" dirty="0">
+                <a:solidFill>
+                  <a:srgbClr val="660033"/>
+                </a:solidFill>
+                <a:effectLst>
+                  <a:outerShdw blurRad="38100" dist="38100" dir="2700000" algn="tl">
+                    <a:srgbClr val="000000">
+                      <a:alpha val="43137"/>
+                    </a:srgbClr>
+                  </a:outerShdw>
+                </a:effectLst>
                 <a:latin typeface="微軟正黑體" pitchFamily="34" charset="-120"/>
                 <a:ea typeface="微軟正黑體" pitchFamily="34" charset="-120"/>
               </a:rPr>
-              <a:t>主除了我罪污</a:t>
-            </a:r>
-          </a:p>
-          <a:p>
-            <a:pPr algn="ctr">
-              <a:buNone/>
-            </a:pPr>
-            <a:r>
-              <a:rPr lang="zh-TW" altLang="en-US" sz="5400" b="1" dirty="0">
-                <a:solidFill>
-                  <a:srgbClr val="000066"/>
-                </a:solidFill>
+              <a:t/>
+            </a:r>
+            <a:br>
+              <a:rPr lang="en-US" altLang="zh-CN" sz="7200" b="1" i="1" dirty="0">
+                <a:solidFill>
+                  <a:srgbClr val="660033"/>
+                </a:solidFill>
+                <a:effectLst>
+                  <a:outerShdw blurRad="38100" dist="38100" dir="2700000" algn="tl">
+                    <a:srgbClr val="000000">
+                      <a:alpha val="43137"/>
+                    </a:srgbClr>
+                  </a:outerShdw>
+                </a:effectLst>
                 <a:latin typeface="微軟正黑體" pitchFamily="34" charset="-120"/>
                 <a:ea typeface="微軟正黑體" pitchFamily="34" charset="-120"/>
               </a:rPr>
-              <a:t>主除了我罪污</a:t>
-            </a:r>
-          </a:p>
-          <a:p>
-            <a:pPr algn="ctr">
-              <a:buNone/>
-            </a:pPr>
-            <a:r>
-              <a:rPr lang="zh-TW" altLang="en-US" sz="5400" b="1" dirty="0">
-                <a:solidFill>
-                  <a:srgbClr val="000066"/>
-                </a:solidFill>
+            </a:br>
+            <a:r>
+              <a:rPr lang="zh-TW" altLang="en-US" sz="8000" b="1" dirty="0">
+                <a:solidFill>
+                  <a:srgbClr val="660033"/>
+                </a:solidFill>
+                <a:effectLst>
+                  <a:outerShdw blurRad="38100" dist="38100" dir="2700000" algn="tl">
+                    <a:srgbClr val="000000">
+                      <a:alpha val="43137"/>
+                    </a:srgbClr>
+                  </a:outerShdw>
+                </a:effectLst>
                 <a:latin typeface="微軟正黑體" pitchFamily="34" charset="-120"/>
                 <a:ea typeface="微軟正黑體" pitchFamily="34" charset="-120"/>
               </a:rPr>
-              <a:t>現蒙主愛使我心中欣然</a:t>
-            </a:r>
-          </a:p>
-          <a:p>
-            <a:pPr algn="ctr">
-              <a:buNone/>
-            </a:pPr>
-            <a:r>
-              <a:rPr lang="zh-TW" altLang="en-US" sz="5400" b="1" dirty="0">
-                <a:solidFill>
-                  <a:srgbClr val="000066"/>
-                </a:solidFill>
+              <a:t>主</a:t>
+            </a:r>
+            <a:r>
+              <a:rPr lang="zh-TW" altLang="en-US" sz="8000" b="1" dirty="0">
+                <a:solidFill>
+                  <a:srgbClr val="660033"/>
+                </a:solidFill>
+                <a:effectLst>
+                  <a:outerShdw blurRad="38100" dist="38100" dir="2700000" algn="tl">
+                    <a:srgbClr val="000000">
+                      <a:alpha val="43137"/>
+                    </a:srgbClr>
+                  </a:outerShdw>
+                </a:effectLst>
                 <a:latin typeface="微軟正黑體" pitchFamily="34" charset="-120"/>
                 <a:ea typeface="微軟正黑體" pitchFamily="34" charset="-120"/>
               </a:rPr>
-              <a:t>主除了我罪</a:t>
-            </a:r>
-            <a:r>
-              <a:rPr lang="zh-TW" altLang="en-US" sz="5400" b="1" dirty="0">
-                <a:solidFill>
-                  <a:srgbClr val="000066"/>
+              <a:t>除了我罪污</a:t>
+            </a:r>
+          </a:p>
+        </p:txBody>
+      </p:sp>
+    </p:spTree>
+    <p:extLst>
+      <p:ext uri="{BB962C8B-B14F-4D97-AF65-F5344CB8AC3E}">
+        <p14:creationId xmlns:p14="http://schemas.microsoft.com/office/powerpoint/2010/main" val="4195152716"/>
+      </p:ext>
+    </p:extLst>
+  </p:cSld>
+  <p:clrMapOvr>
+    <a:masterClrMapping/>
+  </p:clrMapOvr>
+  <p:timing>
+    <p:tnLst>
+      <p:par>
+        <p:cTn id="1" dur="indefinite" restart="never" nodeType="tmRoot"/>
+      </p:par>
+    </p:tnLst>
+  </p:timing>
+</p:sld>
+</file>
+
+<file path=ppt/slides/slide10.xml><?xml version="1.0" encoding="utf-8"?>
+<p:sld xmlns:a="http://schemas.openxmlformats.org/drawingml/2006/main" xmlns:r="http://schemas.openxmlformats.org/officeDocument/2006/relationships" xmlns:p="http://schemas.openxmlformats.org/presentationml/2006/main">
+  <p:cSld>
+    <p:spTree>
+      <p:nvGrpSpPr>
+        <p:cNvPr id="1" name=""/>
+        <p:cNvGrpSpPr/>
+        <p:nvPr/>
+      </p:nvGrpSpPr>
+      <p:grpSpPr>
+        <a:xfrm>
+          <a:off x="0" y="0"/>
+          <a:ext cx="0" cy="0"/>
+          <a:chOff x="0" y="0"/>
+          <a:chExt cx="0" cy="0"/>
+        </a:xfrm>
+      </p:grpSpPr>
+      <p:sp>
+        <p:nvSpPr>
+          <p:cNvPr id="5" name="內容版面配置區 4"/>
+          <p:cNvSpPr>
+            <a:spLocks noGrp="1"/>
+          </p:cNvSpPr>
+          <p:nvPr>
+            <p:ph idx="1"/>
+          </p:nvPr>
+        </p:nvSpPr>
+        <p:spPr>
+          <a:xfrm>
+            <a:off x="0" y="2084851"/>
+            <a:ext cx="12192000" cy="2404863"/>
+          </a:xfrm>
+        </p:spPr>
+        <p:txBody>
+          <a:bodyPr anchor="ctr">
+            <a:normAutofit/>
+          </a:bodyPr>
+          <a:lstStyle/>
+          <a:p>
+            <a:pPr algn="ctr">
+              <a:buNone/>
+            </a:pPr>
+            <a:r>
+              <a:rPr lang="zh-TW" altLang="en-US" sz="6400" b="1" dirty="0">
+                <a:solidFill>
+                  <a:srgbClr val="660033"/>
                 </a:solidFill>
                 <a:latin typeface="微軟正黑體" pitchFamily="34" charset="-120"/>
                 <a:ea typeface="微軟正黑體" pitchFamily="34" charset="-120"/>
               </a:rPr>
-              <a:t>污</a:t>
-            </a:r>
-            <a:endParaRPr lang="zh-TW" altLang="en-US" sz="5400" b="1" dirty="0">
+              <a:t>我真深知總快不再定罪</a:t>
+            </a:r>
+          </a:p>
+          <a:p>
+            <a:pPr algn="ctr">
+              <a:buNone/>
+            </a:pPr>
+            <a:r>
+              <a:rPr lang="zh-TW" altLang="en-US" sz="6400" b="1" dirty="0">
+                <a:solidFill>
+                  <a:srgbClr val="660033"/>
+                </a:solidFill>
+                <a:latin typeface="微軟正黑體" pitchFamily="34" charset="-120"/>
+                <a:ea typeface="微軟正黑體" pitchFamily="34" charset="-120"/>
+              </a:rPr>
+              <a:t>主除了我罪污  主除了我罪污</a:t>
+            </a:r>
+            <a:endParaRPr lang="zh-TW" altLang="en-US" sz="6400" b="1" dirty="0">
               <a:solidFill>
-                <a:srgbClr val="000066"/>
+                <a:srgbClr val="660033"/>
               </a:solidFill>
               <a:latin typeface="微軟正黑體" pitchFamily="34" charset="-120"/>
               <a:ea typeface="微軟正黑體" pitchFamily="34" charset="-120"/>
@@ -3231,14 +3325,14 @@
       </p:sp>
       <p:sp>
         <p:nvSpPr>
-          <p:cNvPr id="2" name="TextBox 1"/>
+          <p:cNvPr id="3" name="TextBox 2"/>
           <p:cNvSpPr txBox="1"/>
           <p:nvPr/>
         </p:nvSpPr>
         <p:spPr>
           <a:xfrm>
-            <a:off x="839416" y="1600201"/>
-            <a:ext cx="1440160" cy="923330"/>
+            <a:off x="0" y="5349214"/>
+            <a:ext cx="12192000" cy="830997"/>
           </a:xfrm>
           <a:prstGeom prst="rect">
             <a:avLst/>
@@ -3251,27 +3345,849 @@
           </a:bodyPr>
           <a:lstStyle/>
           <a:p>
-            <a:r>
-              <a:rPr lang="vi-VN" sz="5400" b="1" dirty="0" smtClean="0">
-                <a:solidFill>
-                  <a:srgbClr val="000066"/>
+            <a:pPr algn="ctr"/>
+            <a:r>
+              <a:rPr lang="en-US" sz="4800" b="1" dirty="0">
+                <a:solidFill>
+                  <a:srgbClr val="660033"/>
                 </a:solidFill>
               </a:rPr>
-              <a:t>1.</a:t>
-            </a:r>
-            <a:endParaRPr lang="vi-VN" sz="5400" b="1" dirty="0">
+              <a:t>( 3 )</a:t>
+            </a:r>
+            <a:endParaRPr lang="vi-VN" sz="4800" b="1" dirty="0">
               <a:solidFill>
-                <a:srgbClr val="000066"/>
+                <a:srgbClr val="660033"/>
               </a:solidFill>
             </a:endParaRPr>
           </a:p>
         </p:txBody>
       </p:sp>
     </p:spTree>
+    <p:extLst>
+      <p:ext uri="{BB962C8B-B14F-4D97-AF65-F5344CB8AC3E}">
+        <p14:creationId xmlns:p14="http://schemas.microsoft.com/office/powerpoint/2010/main" val="1580130658"/>
+      </p:ext>
+    </p:extLst>
   </p:cSld>
   <p:clrMapOvr>
     <a:masterClrMapping/>
   </p:clrMapOvr>
+  <p:timing>
+    <p:tnLst>
+      <p:par>
+        <p:cTn id="1" dur="indefinite" restart="never" nodeType="tmRoot"/>
+      </p:par>
+    </p:tnLst>
+  </p:timing>
+</p:sld>
+</file>
+
+<file path=ppt/slides/slide11.xml><?xml version="1.0" encoding="utf-8"?>
+<p:sld xmlns:a="http://schemas.openxmlformats.org/drawingml/2006/main" xmlns:r="http://schemas.openxmlformats.org/officeDocument/2006/relationships" xmlns:p="http://schemas.openxmlformats.org/presentationml/2006/main">
+  <p:cSld>
+    <p:spTree>
+      <p:nvGrpSpPr>
+        <p:cNvPr id="1" name=""/>
+        <p:cNvGrpSpPr/>
+        <p:nvPr/>
+      </p:nvGrpSpPr>
+      <p:grpSpPr>
+        <a:xfrm>
+          <a:off x="0" y="0"/>
+          <a:ext cx="0" cy="0"/>
+          <a:chOff x="0" y="0"/>
+          <a:chExt cx="0" cy="0"/>
+        </a:xfrm>
+      </p:grpSpPr>
+      <p:sp>
+        <p:nvSpPr>
+          <p:cNvPr id="5" name="內容版面配置區 4"/>
+          <p:cNvSpPr>
+            <a:spLocks noGrp="1"/>
+          </p:cNvSpPr>
+          <p:nvPr>
+            <p:ph idx="1"/>
+          </p:nvPr>
+        </p:nvSpPr>
+        <p:spPr>
+          <a:xfrm>
+            <a:off x="0" y="2084851"/>
+            <a:ext cx="12192000" cy="2404863"/>
+          </a:xfrm>
+        </p:spPr>
+        <p:txBody>
+          <a:bodyPr anchor="ctr">
+            <a:normAutofit/>
+          </a:bodyPr>
+          <a:lstStyle/>
+          <a:p>
+            <a:pPr algn="ctr">
+              <a:buNone/>
+            </a:pPr>
+            <a:r>
+              <a:rPr lang="zh-TW" altLang="en-US" sz="6400" b="1" dirty="0">
+                <a:solidFill>
+                  <a:srgbClr val="660033"/>
+                </a:solidFill>
+                <a:latin typeface="微軟正黑體" pitchFamily="34" charset="-120"/>
+                <a:ea typeface="微軟正黑體" pitchFamily="34" charset="-120"/>
+              </a:rPr>
+              <a:t>主賜意外平安在我心內</a:t>
+            </a:r>
+          </a:p>
+          <a:p>
+            <a:pPr algn="ctr">
+              <a:buNone/>
+            </a:pPr>
+            <a:r>
+              <a:rPr lang="zh-TW" altLang="en-US" sz="6400" b="1" dirty="0">
+                <a:solidFill>
+                  <a:srgbClr val="660033"/>
+                </a:solidFill>
+                <a:latin typeface="微軟正黑體" pitchFamily="34" charset="-120"/>
+                <a:ea typeface="微軟正黑體" pitchFamily="34" charset="-120"/>
+              </a:rPr>
+              <a:t>主除了我罪污</a:t>
+            </a:r>
+            <a:endParaRPr lang="zh-TW" altLang="en-US" sz="6400" b="1" dirty="0">
+              <a:solidFill>
+                <a:srgbClr val="660033"/>
+              </a:solidFill>
+              <a:latin typeface="微軟正黑體" pitchFamily="34" charset="-120"/>
+              <a:ea typeface="微軟正黑體" pitchFamily="34" charset="-120"/>
+            </a:endParaRPr>
+          </a:p>
+        </p:txBody>
+      </p:sp>
+      <p:sp>
+        <p:nvSpPr>
+          <p:cNvPr id="3" name="TextBox 2"/>
+          <p:cNvSpPr txBox="1"/>
+          <p:nvPr/>
+        </p:nvSpPr>
+        <p:spPr>
+          <a:xfrm>
+            <a:off x="0" y="5349214"/>
+            <a:ext cx="12192000" cy="830997"/>
+          </a:xfrm>
+          <a:prstGeom prst="rect">
+            <a:avLst/>
+          </a:prstGeom>
+          <a:noFill/>
+        </p:spPr>
+        <p:txBody>
+          <a:bodyPr wrap="square" rtlCol="0">
+            <a:spAutoFit/>
+          </a:bodyPr>
+          <a:lstStyle/>
+          <a:p>
+            <a:pPr algn="ctr"/>
+            <a:r>
+              <a:rPr lang="en-US" sz="4800" b="1" dirty="0">
+                <a:solidFill>
+                  <a:srgbClr val="660033"/>
+                </a:solidFill>
+              </a:rPr>
+              <a:t>( 3 )</a:t>
+            </a:r>
+            <a:endParaRPr lang="vi-VN" sz="4800" b="1" dirty="0">
+              <a:solidFill>
+                <a:srgbClr val="660033"/>
+              </a:solidFill>
+            </a:endParaRPr>
+          </a:p>
+        </p:txBody>
+      </p:sp>
+    </p:spTree>
+    <p:extLst>
+      <p:ext uri="{BB962C8B-B14F-4D97-AF65-F5344CB8AC3E}">
+        <p14:creationId xmlns:p14="http://schemas.microsoft.com/office/powerpoint/2010/main" val="1316155453"/>
+      </p:ext>
+    </p:extLst>
+  </p:cSld>
+  <p:clrMapOvr>
+    <a:masterClrMapping/>
+  </p:clrMapOvr>
+  <p:timing>
+    <p:tnLst>
+      <p:par>
+        <p:cTn id="1" dur="indefinite" restart="never" nodeType="tmRoot"/>
+      </p:par>
+    </p:tnLst>
+  </p:timing>
+</p:sld>
+</file>
+
+<file path=ppt/slides/slide12.xml><?xml version="1.0" encoding="utf-8"?>
+<p:sld xmlns:a="http://schemas.openxmlformats.org/drawingml/2006/main" xmlns:r="http://schemas.openxmlformats.org/officeDocument/2006/relationships" xmlns:p="http://schemas.openxmlformats.org/presentationml/2006/main">
+  <p:cSld>
+    <p:spTree>
+      <p:nvGrpSpPr>
+        <p:cNvPr id="1" name=""/>
+        <p:cNvGrpSpPr/>
+        <p:nvPr/>
+      </p:nvGrpSpPr>
+      <p:grpSpPr>
+        <a:xfrm>
+          <a:off x="0" y="0"/>
+          <a:ext cx="0" cy="0"/>
+          <a:chOff x="0" y="0"/>
+          <a:chExt cx="0" cy="0"/>
+        </a:xfrm>
+      </p:grpSpPr>
+      <p:sp>
+        <p:nvSpPr>
+          <p:cNvPr id="5" name="內容版面配置區 4"/>
+          <p:cNvSpPr>
+            <a:spLocks noGrp="1"/>
+          </p:cNvSpPr>
+          <p:nvPr>
+            <p:ph idx="1"/>
+          </p:nvPr>
+        </p:nvSpPr>
+        <p:spPr>
+          <a:xfrm>
+            <a:off x="0" y="2084851"/>
+            <a:ext cx="12192000" cy="2404863"/>
+          </a:xfrm>
+        </p:spPr>
+        <p:txBody>
+          <a:bodyPr anchor="ctr">
+            <a:normAutofit/>
+          </a:bodyPr>
+          <a:lstStyle/>
+          <a:p>
+            <a:pPr lvl="0" algn="ctr">
+              <a:buNone/>
+            </a:pPr>
+            <a:r>
+              <a:rPr lang="zh-TW" altLang="en-US" sz="6400" b="1" dirty="0">
+                <a:solidFill>
+                  <a:srgbClr val="660033"/>
+                </a:solidFill>
+                <a:latin typeface="微軟正黑體" pitchFamily="34" charset="-120"/>
+                <a:ea typeface="微軟正黑體" pitchFamily="34" charset="-120"/>
+              </a:rPr>
+              <a:t>主除了我罪污  主除了我罪污</a:t>
+            </a:r>
+          </a:p>
+          <a:p>
+            <a:pPr algn="ctr">
+              <a:buNone/>
+            </a:pPr>
+            <a:r>
+              <a:rPr lang="zh-CN" altLang="en-US" sz="6400" b="1" dirty="0">
+                <a:solidFill>
+                  <a:srgbClr val="660033"/>
+                </a:solidFill>
+                <a:latin typeface="微軟正黑體" pitchFamily="34" charset="-120"/>
+                <a:ea typeface="微軟正黑體" pitchFamily="34" charset="-120"/>
+              </a:rPr>
+              <a:t>使</a:t>
+            </a:r>
+            <a:r>
+              <a:rPr lang="zh-TW" altLang="en-US" sz="6400" b="1" dirty="0">
+                <a:solidFill>
+                  <a:srgbClr val="660033"/>
+                </a:solidFill>
+                <a:latin typeface="微軟正黑體" pitchFamily="34" charset="-120"/>
+                <a:ea typeface="微軟正黑體" pitchFamily="34" charset="-120"/>
+              </a:rPr>
+              <a:t>我日日歌唱歡呼</a:t>
+            </a:r>
+            <a:endParaRPr lang="en-US" altLang="zh-TW" sz="6400" b="1" dirty="0">
+              <a:solidFill>
+                <a:srgbClr val="660033"/>
+              </a:solidFill>
+              <a:latin typeface="微軟正黑體" pitchFamily="34" charset="-120"/>
+              <a:ea typeface="微軟正黑體" pitchFamily="34" charset="-120"/>
+            </a:endParaRPr>
+          </a:p>
+        </p:txBody>
+      </p:sp>
+    </p:spTree>
+    <p:extLst>
+      <p:ext uri="{BB962C8B-B14F-4D97-AF65-F5344CB8AC3E}">
+        <p14:creationId xmlns:p14="http://schemas.microsoft.com/office/powerpoint/2010/main" val="3332256834"/>
+      </p:ext>
+    </p:extLst>
+  </p:cSld>
+  <p:clrMapOvr>
+    <a:masterClrMapping/>
+  </p:clrMapOvr>
+  <p:timing>
+    <p:tnLst>
+      <p:par>
+        <p:cTn id="1" dur="indefinite" restart="never" nodeType="tmRoot"/>
+      </p:par>
+    </p:tnLst>
+  </p:timing>
+</p:sld>
+</file>
+
+<file path=ppt/slides/slide13.xml><?xml version="1.0" encoding="utf-8"?>
+<p:sld xmlns:a="http://schemas.openxmlformats.org/drawingml/2006/main" xmlns:r="http://schemas.openxmlformats.org/officeDocument/2006/relationships" xmlns:p="http://schemas.openxmlformats.org/presentationml/2006/main">
+  <p:cSld>
+    <p:spTree>
+      <p:nvGrpSpPr>
+        <p:cNvPr id="1" name=""/>
+        <p:cNvGrpSpPr/>
+        <p:nvPr/>
+      </p:nvGrpSpPr>
+      <p:grpSpPr>
+        <a:xfrm>
+          <a:off x="0" y="0"/>
+          <a:ext cx="0" cy="0"/>
+          <a:chOff x="0" y="0"/>
+          <a:chExt cx="0" cy="0"/>
+        </a:xfrm>
+      </p:grpSpPr>
+      <p:sp>
+        <p:nvSpPr>
+          <p:cNvPr id="5" name="內容版面配置區 4"/>
+          <p:cNvSpPr>
+            <a:spLocks noGrp="1"/>
+          </p:cNvSpPr>
+          <p:nvPr>
+            <p:ph idx="1"/>
+          </p:nvPr>
+        </p:nvSpPr>
+        <p:spPr>
+          <a:xfrm>
+            <a:off x="0" y="2084851"/>
+            <a:ext cx="12192000" cy="2404863"/>
+          </a:xfrm>
+        </p:spPr>
+        <p:txBody>
+          <a:bodyPr anchor="ctr">
+            <a:normAutofit/>
+          </a:bodyPr>
+          <a:lstStyle/>
+          <a:p>
+            <a:pPr algn="ctr">
+              <a:buNone/>
+            </a:pPr>
+            <a:r>
+              <a:rPr lang="zh-TW" altLang="en-US" sz="6400" b="1" dirty="0">
+                <a:solidFill>
+                  <a:srgbClr val="660033"/>
+                </a:solidFill>
+                <a:latin typeface="微軟正黑體" pitchFamily="34" charset="-120"/>
+                <a:ea typeface="微軟正黑體" pitchFamily="34" charset="-120"/>
+              </a:rPr>
+              <a:t>真快樂  主除了我罪污</a:t>
+            </a:r>
+          </a:p>
+          <a:p>
+            <a:pPr algn="ctr">
+              <a:buNone/>
+            </a:pPr>
+            <a:r>
+              <a:rPr lang="zh-TW" altLang="en-US" sz="6400" b="1" dirty="0">
+                <a:solidFill>
+                  <a:srgbClr val="660033"/>
+                </a:solidFill>
+                <a:latin typeface="微軟正黑體" pitchFamily="34" charset="-120"/>
+                <a:ea typeface="微軟正黑體" pitchFamily="34" charset="-120"/>
+              </a:rPr>
+              <a:t>主除了我罪污</a:t>
+            </a:r>
+            <a:endParaRPr lang="zh-TW" altLang="en-US" sz="6400" b="1" dirty="0">
+              <a:solidFill>
+                <a:srgbClr val="660033"/>
+              </a:solidFill>
+              <a:latin typeface="微軟正黑體" pitchFamily="34" charset="-120"/>
+              <a:ea typeface="微軟正黑體" pitchFamily="34" charset="-120"/>
+            </a:endParaRPr>
+          </a:p>
+        </p:txBody>
+      </p:sp>
+    </p:spTree>
+    <p:extLst>
+      <p:ext uri="{BB962C8B-B14F-4D97-AF65-F5344CB8AC3E}">
+        <p14:creationId xmlns:p14="http://schemas.microsoft.com/office/powerpoint/2010/main" val="3869058864"/>
+      </p:ext>
+    </p:extLst>
+  </p:cSld>
+  <p:clrMapOvr>
+    <a:masterClrMapping/>
+  </p:clrMapOvr>
+  <p:timing>
+    <p:tnLst>
+      <p:par>
+        <p:cTn id="1" dur="indefinite" restart="never" nodeType="tmRoot"/>
+      </p:par>
+    </p:tnLst>
+  </p:timing>
+</p:sld>
+</file>
+
+<file path=ppt/slides/slide14.xml><?xml version="1.0" encoding="utf-8"?>
+<p:sld xmlns:a="http://schemas.openxmlformats.org/drawingml/2006/main" xmlns:r="http://schemas.openxmlformats.org/officeDocument/2006/relationships" xmlns:p="http://schemas.openxmlformats.org/presentationml/2006/main">
+  <p:cSld>
+    <p:spTree>
+      <p:nvGrpSpPr>
+        <p:cNvPr id="1" name=""/>
+        <p:cNvGrpSpPr/>
+        <p:nvPr/>
+      </p:nvGrpSpPr>
+      <p:grpSpPr>
+        <a:xfrm>
+          <a:off x="0" y="0"/>
+          <a:ext cx="0" cy="0"/>
+          <a:chOff x="0" y="0"/>
+          <a:chExt cx="0" cy="0"/>
+        </a:xfrm>
+      </p:grpSpPr>
+      <p:sp>
+        <p:nvSpPr>
+          <p:cNvPr id="5" name="內容版面配置區 4"/>
+          <p:cNvSpPr>
+            <a:spLocks noGrp="1"/>
+          </p:cNvSpPr>
+          <p:nvPr>
+            <p:ph idx="1"/>
+          </p:nvPr>
+        </p:nvSpPr>
+        <p:spPr>
+          <a:xfrm>
+            <a:off x="0" y="2084851"/>
+            <a:ext cx="12192000" cy="2404863"/>
+          </a:xfrm>
+        </p:spPr>
+        <p:txBody>
+          <a:bodyPr anchor="ctr">
+            <a:normAutofit/>
+          </a:bodyPr>
+          <a:lstStyle/>
+          <a:p>
+            <a:pPr algn="ctr">
+              <a:buNone/>
+            </a:pPr>
+            <a:r>
+              <a:rPr lang="zh-TW" altLang="en-US" sz="6400" b="1" dirty="0">
+                <a:solidFill>
+                  <a:srgbClr val="660033"/>
+                </a:solidFill>
+                <a:latin typeface="微軟正黑體" pitchFamily="34" charset="-120"/>
+                <a:ea typeface="微軟正黑體" pitchFamily="34" charset="-120"/>
+              </a:rPr>
+              <a:t>現在請你快來就我救主</a:t>
+            </a:r>
+          </a:p>
+          <a:p>
+            <a:pPr algn="ctr">
+              <a:buNone/>
+            </a:pPr>
+            <a:r>
+              <a:rPr lang="zh-TW" altLang="en-US" sz="6400" b="1" dirty="0">
+                <a:solidFill>
+                  <a:srgbClr val="660033"/>
+                </a:solidFill>
+                <a:latin typeface="微軟正黑體" pitchFamily="34" charset="-120"/>
+                <a:ea typeface="微軟正黑體" pitchFamily="34" charset="-120"/>
+              </a:rPr>
+              <a:t>主能除你罪污  主能除你罪污</a:t>
+            </a:r>
+          </a:p>
+        </p:txBody>
+      </p:sp>
+      <p:sp>
+        <p:nvSpPr>
+          <p:cNvPr id="3" name="TextBox 2"/>
+          <p:cNvSpPr txBox="1"/>
+          <p:nvPr/>
+        </p:nvSpPr>
+        <p:spPr>
+          <a:xfrm>
+            <a:off x="0" y="5349214"/>
+            <a:ext cx="12192000" cy="830997"/>
+          </a:xfrm>
+          <a:prstGeom prst="rect">
+            <a:avLst/>
+          </a:prstGeom>
+          <a:noFill/>
+        </p:spPr>
+        <p:txBody>
+          <a:bodyPr wrap="square" rtlCol="0">
+            <a:spAutoFit/>
+          </a:bodyPr>
+          <a:lstStyle/>
+          <a:p>
+            <a:pPr algn="ctr"/>
+            <a:r>
+              <a:rPr lang="en-US" sz="4800" b="1" dirty="0">
+                <a:solidFill>
+                  <a:srgbClr val="660033"/>
+                </a:solidFill>
+              </a:rPr>
+              <a:t>( 4 )</a:t>
+            </a:r>
+            <a:endParaRPr lang="vi-VN" sz="4800" b="1" dirty="0">
+              <a:solidFill>
+                <a:srgbClr val="660033"/>
+              </a:solidFill>
+            </a:endParaRPr>
+          </a:p>
+        </p:txBody>
+      </p:sp>
+    </p:spTree>
+    <p:extLst>
+      <p:ext uri="{BB962C8B-B14F-4D97-AF65-F5344CB8AC3E}">
+        <p14:creationId xmlns:p14="http://schemas.microsoft.com/office/powerpoint/2010/main" val="439274442"/>
+      </p:ext>
+    </p:extLst>
+  </p:cSld>
+  <p:clrMapOvr>
+    <a:masterClrMapping/>
+  </p:clrMapOvr>
+  <p:timing>
+    <p:tnLst>
+      <p:par>
+        <p:cTn id="1" dur="indefinite" restart="never" nodeType="tmRoot"/>
+      </p:par>
+    </p:tnLst>
+  </p:timing>
+</p:sld>
+</file>
+
+<file path=ppt/slides/slide15.xml><?xml version="1.0" encoding="utf-8"?>
+<p:sld xmlns:a="http://schemas.openxmlformats.org/drawingml/2006/main" xmlns:r="http://schemas.openxmlformats.org/officeDocument/2006/relationships" xmlns:p="http://schemas.openxmlformats.org/presentationml/2006/main">
+  <p:cSld>
+    <p:spTree>
+      <p:nvGrpSpPr>
+        <p:cNvPr id="1" name=""/>
+        <p:cNvGrpSpPr/>
+        <p:nvPr/>
+      </p:nvGrpSpPr>
+      <p:grpSpPr>
+        <a:xfrm>
+          <a:off x="0" y="0"/>
+          <a:ext cx="0" cy="0"/>
+          <a:chOff x="0" y="0"/>
+          <a:chExt cx="0" cy="0"/>
+        </a:xfrm>
+      </p:grpSpPr>
+      <p:sp>
+        <p:nvSpPr>
+          <p:cNvPr id="5" name="內容版面配置區 4"/>
+          <p:cNvSpPr>
+            <a:spLocks noGrp="1"/>
+          </p:cNvSpPr>
+          <p:nvPr>
+            <p:ph idx="1"/>
+          </p:nvPr>
+        </p:nvSpPr>
+        <p:spPr>
+          <a:xfrm>
+            <a:off x="0" y="2084851"/>
+            <a:ext cx="12192000" cy="2404863"/>
+          </a:xfrm>
+        </p:spPr>
+        <p:txBody>
+          <a:bodyPr anchor="ctr">
+            <a:normAutofit/>
+          </a:bodyPr>
+          <a:lstStyle/>
+          <a:p>
+            <a:pPr algn="ctr">
+              <a:buNone/>
+            </a:pPr>
+            <a:r>
+              <a:rPr lang="zh-TW" altLang="en-US" sz="6400" b="1" dirty="0">
+                <a:solidFill>
+                  <a:srgbClr val="660033"/>
+                </a:solidFill>
+                <a:latin typeface="微軟正黑體" pitchFamily="34" charset="-120"/>
+                <a:ea typeface="微軟正黑體" pitchFamily="34" charset="-120"/>
+              </a:rPr>
+              <a:t>在主愛中保守你走天路</a:t>
+            </a:r>
+          </a:p>
+          <a:p>
+            <a:pPr algn="ctr">
+              <a:buNone/>
+            </a:pPr>
+            <a:r>
+              <a:rPr lang="zh-TW" altLang="en-US" sz="6400" b="1" dirty="0">
+                <a:solidFill>
+                  <a:srgbClr val="660033"/>
+                </a:solidFill>
+                <a:latin typeface="微軟正黑體" pitchFamily="34" charset="-120"/>
+                <a:ea typeface="微軟正黑體" pitchFamily="34" charset="-120"/>
+              </a:rPr>
+              <a:t>主能除你罪污</a:t>
+            </a:r>
+            <a:endParaRPr lang="zh-TW" altLang="en-US" sz="6400" b="1" dirty="0">
+              <a:solidFill>
+                <a:srgbClr val="660033"/>
+              </a:solidFill>
+              <a:latin typeface="微軟正黑體" pitchFamily="34" charset="-120"/>
+              <a:ea typeface="微軟正黑體" pitchFamily="34" charset="-120"/>
+            </a:endParaRPr>
+          </a:p>
+        </p:txBody>
+      </p:sp>
+      <p:sp>
+        <p:nvSpPr>
+          <p:cNvPr id="3" name="TextBox 2"/>
+          <p:cNvSpPr txBox="1"/>
+          <p:nvPr/>
+        </p:nvSpPr>
+        <p:spPr>
+          <a:xfrm>
+            <a:off x="0" y="5349214"/>
+            <a:ext cx="12192000" cy="830997"/>
+          </a:xfrm>
+          <a:prstGeom prst="rect">
+            <a:avLst/>
+          </a:prstGeom>
+          <a:noFill/>
+        </p:spPr>
+        <p:txBody>
+          <a:bodyPr wrap="square" rtlCol="0">
+            <a:spAutoFit/>
+          </a:bodyPr>
+          <a:lstStyle/>
+          <a:p>
+            <a:pPr algn="ctr"/>
+            <a:r>
+              <a:rPr lang="en-US" sz="4800" b="1" dirty="0">
+                <a:solidFill>
+                  <a:srgbClr val="660033"/>
+                </a:solidFill>
+              </a:rPr>
+              <a:t>( 4 )</a:t>
+            </a:r>
+            <a:endParaRPr lang="vi-VN" sz="4800" b="1" dirty="0">
+              <a:solidFill>
+                <a:srgbClr val="660033"/>
+              </a:solidFill>
+            </a:endParaRPr>
+          </a:p>
+        </p:txBody>
+      </p:sp>
+    </p:spTree>
+    <p:extLst>
+      <p:ext uri="{BB962C8B-B14F-4D97-AF65-F5344CB8AC3E}">
+        <p14:creationId xmlns:p14="http://schemas.microsoft.com/office/powerpoint/2010/main" val="3239405994"/>
+      </p:ext>
+    </p:extLst>
+  </p:cSld>
+  <p:clrMapOvr>
+    <a:masterClrMapping/>
+  </p:clrMapOvr>
+  <p:timing>
+    <p:tnLst>
+      <p:par>
+        <p:cTn id="1" dur="indefinite" restart="never" nodeType="tmRoot"/>
+      </p:par>
+    </p:tnLst>
+  </p:timing>
+</p:sld>
+</file>
+
+<file path=ppt/slides/slide16.xml><?xml version="1.0" encoding="utf-8"?>
+<p:sld xmlns:a="http://schemas.openxmlformats.org/drawingml/2006/main" xmlns:r="http://schemas.openxmlformats.org/officeDocument/2006/relationships" xmlns:p="http://schemas.openxmlformats.org/presentationml/2006/main">
+  <p:cSld>
+    <p:spTree>
+      <p:nvGrpSpPr>
+        <p:cNvPr id="1" name=""/>
+        <p:cNvGrpSpPr/>
+        <p:nvPr/>
+      </p:nvGrpSpPr>
+      <p:grpSpPr>
+        <a:xfrm>
+          <a:off x="0" y="0"/>
+          <a:ext cx="0" cy="0"/>
+          <a:chOff x="0" y="0"/>
+          <a:chExt cx="0" cy="0"/>
+        </a:xfrm>
+      </p:grpSpPr>
+      <p:sp>
+        <p:nvSpPr>
+          <p:cNvPr id="5" name="內容版面配置區 4"/>
+          <p:cNvSpPr>
+            <a:spLocks noGrp="1"/>
+          </p:cNvSpPr>
+          <p:nvPr>
+            <p:ph idx="1"/>
+          </p:nvPr>
+        </p:nvSpPr>
+        <p:spPr>
+          <a:xfrm>
+            <a:off x="0" y="2084851"/>
+            <a:ext cx="12192000" cy="2404863"/>
+          </a:xfrm>
+        </p:spPr>
+        <p:txBody>
+          <a:bodyPr anchor="ctr">
+            <a:normAutofit/>
+          </a:bodyPr>
+          <a:lstStyle/>
+          <a:p>
+            <a:pPr lvl="0" algn="ctr">
+              <a:buNone/>
+            </a:pPr>
+            <a:r>
+              <a:rPr lang="zh-TW" altLang="en-US" sz="6400" b="1" dirty="0">
+                <a:solidFill>
+                  <a:srgbClr val="660033"/>
+                </a:solidFill>
+                <a:latin typeface="微軟正黑體" pitchFamily="34" charset="-120"/>
+                <a:ea typeface="微軟正黑體" pitchFamily="34" charset="-120"/>
+              </a:rPr>
+              <a:t>主除了我罪污  主除了我罪污</a:t>
+            </a:r>
+          </a:p>
+          <a:p>
+            <a:pPr algn="ctr">
+              <a:buNone/>
+            </a:pPr>
+            <a:r>
+              <a:rPr lang="zh-CN" altLang="en-US" sz="6400" b="1" dirty="0">
+                <a:solidFill>
+                  <a:srgbClr val="660033"/>
+                </a:solidFill>
+                <a:latin typeface="微軟正黑體" pitchFamily="34" charset="-120"/>
+                <a:ea typeface="微軟正黑體" pitchFamily="34" charset="-120"/>
+              </a:rPr>
+              <a:t>使</a:t>
+            </a:r>
+            <a:r>
+              <a:rPr lang="zh-TW" altLang="en-US" sz="6400" b="1" dirty="0">
+                <a:solidFill>
+                  <a:srgbClr val="660033"/>
+                </a:solidFill>
+                <a:latin typeface="微軟正黑體" pitchFamily="34" charset="-120"/>
+                <a:ea typeface="微軟正黑體" pitchFamily="34" charset="-120"/>
+              </a:rPr>
+              <a:t>我日日歌唱歡呼</a:t>
+            </a:r>
+            <a:endParaRPr lang="en-US" altLang="zh-TW" sz="6400" b="1" dirty="0">
+              <a:solidFill>
+                <a:srgbClr val="660033"/>
+              </a:solidFill>
+              <a:latin typeface="微軟正黑體" pitchFamily="34" charset="-120"/>
+              <a:ea typeface="微軟正黑體" pitchFamily="34" charset="-120"/>
+            </a:endParaRPr>
+          </a:p>
+        </p:txBody>
+      </p:sp>
+    </p:spTree>
+    <p:extLst>
+      <p:ext uri="{BB962C8B-B14F-4D97-AF65-F5344CB8AC3E}">
+        <p14:creationId xmlns:p14="http://schemas.microsoft.com/office/powerpoint/2010/main" val="2176229045"/>
+      </p:ext>
+    </p:extLst>
+  </p:cSld>
+  <p:clrMapOvr>
+    <a:masterClrMapping/>
+  </p:clrMapOvr>
+  <p:timing>
+    <p:tnLst>
+      <p:par>
+        <p:cTn id="1" dur="indefinite" restart="never" nodeType="tmRoot"/>
+      </p:par>
+    </p:tnLst>
+  </p:timing>
+</p:sld>
+</file>
+
+<file path=ppt/slides/slide17.xml><?xml version="1.0" encoding="utf-8"?>
+<p:sld xmlns:a="http://schemas.openxmlformats.org/drawingml/2006/main" xmlns:r="http://schemas.openxmlformats.org/officeDocument/2006/relationships" xmlns:p="http://schemas.openxmlformats.org/presentationml/2006/main">
+  <p:cSld>
+    <p:spTree>
+      <p:nvGrpSpPr>
+        <p:cNvPr id="1" name=""/>
+        <p:cNvGrpSpPr/>
+        <p:nvPr/>
+      </p:nvGrpSpPr>
+      <p:grpSpPr>
+        <a:xfrm>
+          <a:off x="0" y="0"/>
+          <a:ext cx="0" cy="0"/>
+          <a:chOff x="0" y="0"/>
+          <a:chExt cx="0" cy="0"/>
+        </a:xfrm>
+      </p:grpSpPr>
+      <p:sp>
+        <p:nvSpPr>
+          <p:cNvPr id="5" name="內容版面配置區 4"/>
+          <p:cNvSpPr>
+            <a:spLocks noGrp="1"/>
+          </p:cNvSpPr>
+          <p:nvPr>
+            <p:ph idx="1"/>
+          </p:nvPr>
+        </p:nvSpPr>
+        <p:spPr>
+          <a:xfrm>
+            <a:off x="0" y="2084851"/>
+            <a:ext cx="12192000" cy="2404863"/>
+          </a:xfrm>
+        </p:spPr>
+        <p:txBody>
+          <a:bodyPr anchor="ctr">
+            <a:normAutofit/>
+          </a:bodyPr>
+          <a:lstStyle/>
+          <a:p>
+            <a:pPr algn="ctr">
+              <a:buNone/>
+            </a:pPr>
+            <a:r>
+              <a:rPr lang="zh-TW" altLang="en-US" sz="6400" b="1" dirty="0">
+                <a:solidFill>
+                  <a:srgbClr val="660033"/>
+                </a:solidFill>
+                <a:latin typeface="微軟正黑體" pitchFamily="34" charset="-120"/>
+                <a:ea typeface="微軟正黑體" pitchFamily="34" charset="-120"/>
+              </a:rPr>
+              <a:t>真快樂  主除了我罪污</a:t>
+            </a:r>
+          </a:p>
+          <a:p>
+            <a:pPr algn="ctr">
+              <a:buNone/>
+            </a:pPr>
+            <a:r>
+              <a:rPr lang="zh-TW" altLang="en-US" sz="6400" b="1" dirty="0">
+                <a:solidFill>
+                  <a:srgbClr val="660033"/>
+                </a:solidFill>
+                <a:latin typeface="微軟正黑體" pitchFamily="34" charset="-120"/>
+                <a:ea typeface="微軟正黑體" pitchFamily="34" charset="-120"/>
+              </a:rPr>
+              <a:t>主除了我罪污</a:t>
+            </a:r>
+            <a:endParaRPr lang="zh-TW" altLang="en-US" sz="6400" b="1" dirty="0">
+              <a:solidFill>
+                <a:srgbClr val="660033"/>
+              </a:solidFill>
+              <a:latin typeface="微軟正黑體" pitchFamily="34" charset="-120"/>
+              <a:ea typeface="微軟正黑體" pitchFamily="34" charset="-120"/>
+            </a:endParaRPr>
+          </a:p>
+        </p:txBody>
+      </p:sp>
+    </p:spTree>
+    <p:extLst>
+      <p:ext uri="{BB962C8B-B14F-4D97-AF65-F5344CB8AC3E}">
+        <p14:creationId xmlns:p14="http://schemas.microsoft.com/office/powerpoint/2010/main" val="2556600715"/>
+      </p:ext>
+    </p:extLst>
+  </p:cSld>
+  <p:clrMapOvr>
+    <a:masterClrMapping/>
+  </p:clrMapOvr>
+  <p:timing>
+    <p:tnLst>
+      <p:par>
+        <p:cTn id="1" dur="indefinite" restart="never" nodeType="tmRoot"/>
+      </p:par>
+    </p:tnLst>
+  </p:timing>
 </p:sld>
 </file>
 
@@ -3294,154 +4210,120 @@
       </p:grpSpPr>
       <p:sp>
         <p:nvSpPr>
-          <p:cNvPr id="4" name="標題 3"/>
-          <p:cNvSpPr>
-            <a:spLocks noGrp="1"/>
-          </p:cNvSpPr>
-          <p:nvPr>
-            <p:ph type="title"/>
-          </p:nvPr>
-        </p:nvSpPr>
-        <p:spPr/>
-        <p:txBody>
-          <a:bodyPr/>
-          <a:lstStyle/>
-          <a:p>
-            <a:r>
-              <a:rPr lang="zh-TW" altLang="en-US" b="1" dirty="0">
-                <a:solidFill>
-                  <a:srgbClr val="000066"/>
+          <p:cNvPr id="5" name="內容版面配置區 4"/>
+          <p:cNvSpPr>
+            <a:spLocks noGrp="1"/>
+          </p:cNvSpPr>
+          <p:nvPr>
+            <p:ph idx="1"/>
+          </p:nvPr>
+        </p:nvSpPr>
+        <p:spPr>
+          <a:xfrm>
+            <a:off x="0" y="2084851"/>
+            <a:ext cx="12192000" cy="2404863"/>
+          </a:xfrm>
+        </p:spPr>
+        <p:txBody>
+          <a:bodyPr anchor="ctr">
+            <a:normAutofit/>
+          </a:bodyPr>
+          <a:lstStyle/>
+          <a:p>
+            <a:pPr algn="ctr">
+              <a:buNone/>
+            </a:pPr>
+            <a:r>
+              <a:rPr lang="zh-TW" altLang="en-US" sz="6400" b="1" dirty="0">
+                <a:solidFill>
+                  <a:srgbClr val="660033"/>
                 </a:solidFill>
                 <a:latin typeface="微軟正黑體" pitchFamily="34" charset="-120"/>
                 <a:ea typeface="微軟正黑體" pitchFamily="34" charset="-120"/>
               </a:rPr>
-              <a:t>主除了我罪污</a:t>
-            </a:r>
-          </a:p>
-        </p:txBody>
-      </p:sp>
-      <p:sp>
-        <p:nvSpPr>
-          <p:cNvPr id="5" name="內容版面配置區 4"/>
-          <p:cNvSpPr>
-            <a:spLocks noGrp="1"/>
-          </p:cNvSpPr>
-          <p:nvPr>
-            <p:ph idx="1"/>
-          </p:nvPr>
-        </p:nvSpPr>
-        <p:spPr/>
-        <p:txBody>
-          <a:bodyPr>
-            <a:noAutofit/>
-          </a:bodyPr>
-          <a:lstStyle/>
-          <a:p>
-            <a:pPr lvl="0" algn="ctr">
+              <a:t>我就主時心憂傷身困倦</a:t>
+            </a:r>
+          </a:p>
+          <a:p>
+            <a:pPr algn="ctr">
               <a:buNone/>
             </a:pPr>
             <a:r>
-              <a:rPr lang="zh-TW" altLang="en-US" sz="5400" b="1" dirty="0">
-                <a:solidFill>
-                  <a:srgbClr val="000066"/>
+              <a:rPr lang="zh-TW" altLang="en-US" sz="6400" b="1" dirty="0">
+                <a:solidFill>
+                  <a:srgbClr val="660033"/>
                 </a:solidFill>
                 <a:latin typeface="微軟正黑體" pitchFamily="34" charset="-120"/>
                 <a:ea typeface="微軟正黑體" pitchFamily="34" charset="-120"/>
               </a:rPr>
-              <a:t>主除了我罪污</a:t>
-            </a:r>
-          </a:p>
-          <a:p>
-            <a:pPr algn="ctr">
-              <a:buNone/>
-            </a:pPr>
-            <a:r>
-              <a:rPr lang="zh-TW" altLang="en-US" sz="5400" b="1" dirty="0">
-                <a:solidFill>
-                  <a:srgbClr val="000066"/>
-                </a:solidFill>
-                <a:latin typeface="微軟正黑體" pitchFamily="34" charset="-120"/>
-                <a:ea typeface="微軟正黑體" pitchFamily="34" charset="-120"/>
-              </a:rPr>
-              <a:t>主除了我罪污</a:t>
-            </a:r>
-          </a:p>
-          <a:p>
-            <a:pPr algn="ctr">
-              <a:buNone/>
-            </a:pPr>
-            <a:r>
-              <a:rPr lang="zh-CN" altLang="en-US" sz="5400" b="1" dirty="0">
-                <a:solidFill>
-                  <a:srgbClr val="000066"/>
-                </a:solidFill>
-                <a:latin typeface="微軟正黑體" pitchFamily="34" charset="-120"/>
-                <a:ea typeface="微軟正黑體" pitchFamily="34" charset="-120"/>
-              </a:rPr>
-              <a:t>使</a:t>
-            </a:r>
-            <a:r>
-              <a:rPr lang="zh-TW" altLang="en-US" sz="5400" b="1" dirty="0">
-                <a:solidFill>
-                  <a:srgbClr val="000066"/>
-                </a:solidFill>
-                <a:latin typeface="微軟正黑體" pitchFamily="34" charset="-120"/>
-                <a:ea typeface="微軟正黑體" pitchFamily="34" charset="-120"/>
-              </a:rPr>
-              <a:t>我日日歌唱歡呼</a:t>
-            </a:r>
-            <a:endParaRPr lang="en-US" altLang="zh-TW" sz="5400" b="1" dirty="0">
+              <a:t>主除了我罪污  主除了我罪污</a:t>
+            </a:r>
+            <a:endParaRPr lang="zh-TW" altLang="en-US" sz="6400" b="1" dirty="0">
               <a:solidFill>
-                <a:srgbClr val="000066"/>
+                <a:srgbClr val="660033"/>
               </a:solidFill>
               <a:latin typeface="微軟正黑體" pitchFamily="34" charset="-120"/>
               <a:ea typeface="微軟正黑體" pitchFamily="34" charset="-120"/>
             </a:endParaRPr>
           </a:p>
-          <a:p>
-            <a:pPr algn="ctr">
-              <a:buNone/>
-            </a:pPr>
-            <a:r>
-              <a:rPr lang="zh-TW" altLang="en-US" sz="5400" b="1" dirty="0">
-                <a:solidFill>
-                  <a:srgbClr val="000066"/>
-                </a:solidFill>
-                <a:latin typeface="微軟正黑體" pitchFamily="34" charset="-120"/>
-                <a:ea typeface="微軟正黑體" pitchFamily="34" charset="-120"/>
+        </p:txBody>
+      </p:sp>
+      <p:sp>
+        <p:nvSpPr>
+          <p:cNvPr id="3" name="TextBox 2"/>
+          <p:cNvSpPr txBox="1"/>
+          <p:nvPr/>
+        </p:nvSpPr>
+        <p:spPr>
+          <a:xfrm>
+            <a:off x="0" y="5349214"/>
+            <a:ext cx="12192000" cy="830997"/>
+          </a:xfrm>
+          <a:prstGeom prst="rect">
+            <a:avLst/>
+          </a:prstGeom>
+          <a:noFill/>
+        </p:spPr>
+        <p:txBody>
+          <a:bodyPr wrap="square" rtlCol="0">
+            <a:spAutoFit/>
+          </a:bodyPr>
+          <a:lstStyle/>
+          <a:p>
+            <a:pPr algn="ctr"/>
+            <a:r>
+              <a:rPr lang="en-US" sz="4800" b="1" dirty="0">
+                <a:solidFill>
+                  <a:srgbClr val="660033"/>
+                </a:solidFill>
               </a:rPr>
-              <a:t>真快樂  主除了我罪污</a:t>
-            </a:r>
-          </a:p>
-          <a:p>
-            <a:pPr algn="ctr">
-              <a:buNone/>
-            </a:pPr>
-            <a:r>
-              <a:rPr lang="zh-TW" altLang="en-US" sz="5400" b="1" dirty="0">
-                <a:solidFill>
-                  <a:srgbClr val="000066"/>
-                </a:solidFill>
-                <a:latin typeface="微軟正黑體" pitchFamily="34" charset="-120"/>
-                <a:ea typeface="微軟正黑體" pitchFamily="34" charset="-120"/>
-              </a:rPr>
-              <a:t>主除了我罪污</a:t>
-            </a:r>
-            <a:endParaRPr lang="zh-TW" altLang="en-US" sz="5400" b="1" dirty="0">
+              <a:t>( 1 )</a:t>
+            </a:r>
+            <a:endParaRPr lang="vi-VN" sz="4800" b="1" dirty="0">
               <a:solidFill>
-                <a:srgbClr val="000066"/>
+                <a:srgbClr val="660033"/>
               </a:solidFill>
-              <a:latin typeface="微軟正黑體" pitchFamily="34" charset="-120"/>
-              <a:ea typeface="微軟正黑體" pitchFamily="34" charset="-120"/>
             </a:endParaRPr>
           </a:p>
         </p:txBody>
       </p:sp>
     </p:spTree>
+    <p:extLst>
+      <p:ext uri="{BB962C8B-B14F-4D97-AF65-F5344CB8AC3E}">
+        <p14:creationId xmlns:p14="http://schemas.microsoft.com/office/powerpoint/2010/main" val="3332149485"/>
+      </p:ext>
+    </p:extLst>
   </p:cSld>
   <p:clrMapOvr>
     <a:masterClrMapping/>
   </p:clrMapOvr>
+  <p:timing>
+    <p:tnLst>
+      <p:par>
+        <p:cTn id="1" dur="indefinite" restart="never" nodeType="tmRoot"/>
+      </p:par>
+    </p:tnLst>
+  </p:timing>
 </p:sld>
 </file>
 
@@ -3464,145 +4346,57 @@
       </p:grpSpPr>
       <p:sp>
         <p:nvSpPr>
-          <p:cNvPr id="4" name="標題 3"/>
-          <p:cNvSpPr>
-            <a:spLocks noGrp="1"/>
-          </p:cNvSpPr>
-          <p:nvPr>
-            <p:ph type="title"/>
-          </p:nvPr>
-        </p:nvSpPr>
-        <p:spPr/>
-        <p:txBody>
-          <a:bodyPr/>
-          <a:lstStyle/>
-          <a:p>
-            <a:r>
-              <a:rPr lang="zh-TW" altLang="en-US" b="1" dirty="0">
-                <a:solidFill>
-                  <a:srgbClr val="000066"/>
+          <p:cNvPr id="5" name="內容版面配置區 4"/>
+          <p:cNvSpPr>
+            <a:spLocks noGrp="1"/>
+          </p:cNvSpPr>
+          <p:nvPr>
+            <p:ph idx="1"/>
+          </p:nvPr>
+        </p:nvSpPr>
+        <p:spPr>
+          <a:xfrm>
+            <a:off x="0" y="2084851"/>
+            <a:ext cx="12192000" cy="2404863"/>
+          </a:xfrm>
+        </p:spPr>
+        <p:txBody>
+          <a:bodyPr anchor="ctr">
+            <a:normAutofit/>
+          </a:bodyPr>
+          <a:lstStyle/>
+          <a:p>
+            <a:pPr algn="ctr">
+              <a:buNone/>
+            </a:pPr>
+            <a:r>
+              <a:rPr lang="zh-TW" altLang="en-US" sz="6400" b="1" dirty="0">
+                <a:solidFill>
+                  <a:srgbClr val="660033"/>
+                </a:solidFill>
+                <a:latin typeface="微軟正黑體" pitchFamily="34" charset="-120"/>
+                <a:ea typeface="微軟正黑體" pitchFamily="34" charset="-120"/>
+              </a:rPr>
+              <a:t>現蒙主愛使我心中欣然</a:t>
+            </a:r>
+          </a:p>
+          <a:p>
+            <a:pPr algn="ctr">
+              <a:buNone/>
+            </a:pPr>
+            <a:r>
+              <a:rPr lang="zh-TW" altLang="en-US" sz="6400" b="1" dirty="0">
+                <a:solidFill>
+                  <a:srgbClr val="660033"/>
                 </a:solidFill>
                 <a:latin typeface="微軟正黑體" pitchFamily="34" charset="-120"/>
                 <a:ea typeface="微軟正黑體" pitchFamily="34" charset="-120"/>
               </a:rPr>
               <a:t>主除了我罪污</a:t>
             </a:r>
-          </a:p>
-        </p:txBody>
-      </p:sp>
-      <p:sp>
-        <p:nvSpPr>
-          <p:cNvPr id="5" name="內容版面配置區 4"/>
-          <p:cNvSpPr>
-            <a:spLocks noGrp="1"/>
-          </p:cNvSpPr>
-          <p:nvPr>
-            <p:ph idx="1"/>
-          </p:nvPr>
-        </p:nvSpPr>
-        <p:spPr/>
-        <p:txBody>
-          <a:bodyPr>
-            <a:noAutofit/>
-          </a:bodyPr>
-          <a:lstStyle/>
-          <a:p>
-            <a:pPr algn="ctr">
-              <a:buNone/>
-            </a:pPr>
-            <a:r>
-              <a:rPr lang="zh-TW" altLang="en-US" sz="5400" b="1" dirty="0">
-                <a:solidFill>
-                  <a:srgbClr val="000066"/>
-                </a:solidFill>
-                <a:latin typeface="微軟正黑體" pitchFamily="34" charset="-120"/>
-                <a:ea typeface="微軟正黑體" pitchFamily="34" charset="-120"/>
-              </a:rPr>
-              <a:t>罪擔極重使我無</a:t>
-            </a:r>
-            <a:r>
-              <a:rPr lang="zh-CN" altLang="en-US" sz="5400" b="1" dirty="0">
-                <a:solidFill>
-                  <a:srgbClr val="000066"/>
-                </a:solidFill>
-                <a:latin typeface="微軟正黑體" pitchFamily="34" charset="-120"/>
-                <a:ea typeface="微軟正黑體" pitchFamily="34" charset="-120"/>
-              </a:rPr>
-              <a:t>法</a:t>
-            </a:r>
-            <a:r>
-              <a:rPr lang="zh-TW" altLang="en-US" sz="5400" b="1" dirty="0">
-                <a:solidFill>
-                  <a:srgbClr val="000066"/>
-                </a:solidFill>
-                <a:latin typeface="微軟正黑體" pitchFamily="34" charset="-120"/>
-                <a:ea typeface="微軟正黑體" pitchFamily="34" charset="-120"/>
-              </a:rPr>
-              <a:t>負起</a:t>
-            </a:r>
-          </a:p>
-          <a:p>
-            <a:pPr algn="ctr">
-              <a:buNone/>
-            </a:pPr>
-            <a:r>
-              <a:rPr lang="zh-TW" altLang="en-US" sz="5400" b="1" dirty="0">
-                <a:solidFill>
-                  <a:srgbClr val="000066"/>
-                </a:solidFill>
-                <a:latin typeface="微軟正黑體" pitchFamily="34" charset="-120"/>
-                <a:ea typeface="微軟正黑體" pitchFamily="34" charset="-120"/>
-              </a:rPr>
-              <a:t>主除了我罪污</a:t>
-            </a:r>
-          </a:p>
-          <a:p>
-            <a:pPr algn="ctr">
-              <a:buNone/>
-            </a:pPr>
-            <a:r>
-              <a:rPr lang="zh-TW" altLang="en-US" sz="5400" b="1" dirty="0">
-                <a:solidFill>
-                  <a:srgbClr val="000066"/>
-                </a:solidFill>
-                <a:latin typeface="微軟正黑體" pitchFamily="34" charset="-120"/>
-                <a:ea typeface="微軟正黑體" pitchFamily="34" charset="-120"/>
-              </a:rPr>
-              <a:t>主除了我罪污</a:t>
-            </a:r>
-          </a:p>
-          <a:p>
-            <a:pPr algn="ctr">
-              <a:buNone/>
-            </a:pPr>
-            <a:r>
-              <a:rPr lang="zh-TW" altLang="en-US" sz="5400" b="1" dirty="0">
-                <a:solidFill>
-                  <a:srgbClr val="000066"/>
-                </a:solidFill>
-                <a:latin typeface="微軟正黑體" pitchFamily="34" charset="-120"/>
-                <a:ea typeface="微軟正黑體" pitchFamily="34" charset="-120"/>
-              </a:rPr>
-              <a:t>仰望救主賜我力供我需</a:t>
-            </a:r>
-          </a:p>
-          <a:p>
-            <a:pPr algn="ctr">
-              <a:buNone/>
-            </a:pPr>
-            <a:r>
-              <a:rPr lang="zh-TW" altLang="en-US" sz="5400" b="1" dirty="0">
-                <a:solidFill>
-                  <a:srgbClr val="000066"/>
-                </a:solidFill>
-                <a:latin typeface="微軟正黑體" pitchFamily="34" charset="-120"/>
-                <a:ea typeface="微軟正黑體" pitchFamily="34" charset="-120"/>
-              </a:rPr>
-              <a:t>主除了我罪污</a:t>
-            </a:r>
-            <a:endParaRPr lang="zh-TW" altLang="en-US" sz="5400" b="1" dirty="0">
+            <a:endParaRPr lang="zh-TW" altLang="en-US" sz="6400" b="1" dirty="0">
               <a:solidFill>
-                <a:srgbClr val="000066"/>
+                <a:srgbClr val="660033"/>
               </a:solidFill>
               <a:latin typeface="微軟正黑體" pitchFamily="34" charset="-120"/>
               <a:ea typeface="微軟正黑體" pitchFamily="34" charset="-120"/>
@@ -3612,14 +4406,14 @@
       </p:sp>
       <p:sp>
         <p:nvSpPr>
-          <p:cNvPr id="6" name="TextBox 5"/>
+          <p:cNvPr id="3" name="TextBox 2"/>
           <p:cNvSpPr txBox="1"/>
           <p:nvPr/>
         </p:nvSpPr>
         <p:spPr>
           <a:xfrm>
-            <a:off x="839416" y="1600201"/>
-            <a:ext cx="1440160" cy="923330"/>
+            <a:off x="0" y="5349214"/>
+            <a:ext cx="12192000" cy="830997"/>
           </a:xfrm>
           <a:prstGeom prst="rect">
             <a:avLst/>
@@ -3632,35 +4426,40 @@
           </a:bodyPr>
           <a:lstStyle/>
           <a:p>
-            <a:r>
-              <a:rPr lang="vi-VN" sz="5400" b="1" dirty="0">
-                <a:solidFill>
-                  <a:srgbClr val="000066"/>
+            <a:pPr algn="ctr"/>
+            <a:r>
+              <a:rPr lang="en-US" sz="4800" b="1" dirty="0">
+                <a:solidFill>
+                  <a:srgbClr val="660033"/>
                 </a:solidFill>
               </a:rPr>
-              <a:t>2</a:t>
-            </a:r>
-            <a:r>
-              <a:rPr lang="vi-VN" sz="5400" b="1" dirty="0" smtClean="0">
-                <a:solidFill>
-                  <a:srgbClr val="000066"/>
-                </a:solidFill>
-              </a:rPr>
-              <a:t>.</a:t>
-            </a:r>
-            <a:endParaRPr lang="vi-VN" sz="5400" b="1" dirty="0">
+              <a:t>( 1 )</a:t>
+            </a:r>
+            <a:endParaRPr lang="vi-VN" sz="4800" b="1" dirty="0">
               <a:solidFill>
-                <a:srgbClr val="000066"/>
+                <a:srgbClr val="660033"/>
               </a:solidFill>
             </a:endParaRPr>
           </a:p>
         </p:txBody>
       </p:sp>
     </p:spTree>
+    <p:extLst>
+      <p:ext uri="{BB962C8B-B14F-4D97-AF65-F5344CB8AC3E}">
+        <p14:creationId xmlns:p14="http://schemas.microsoft.com/office/powerpoint/2010/main" val="390750228"/>
+      </p:ext>
+    </p:extLst>
   </p:cSld>
   <p:clrMapOvr>
     <a:masterClrMapping/>
   </p:clrMapOvr>
+  <p:timing>
+    <p:tnLst>
+      <p:par>
+        <p:cTn id="1" dur="indefinite" restart="never" nodeType="tmRoot"/>
+      </p:par>
+    </p:tnLst>
+  </p:timing>
 </p:sld>
 </file>
 
@@ -3683,86 +4482,48 @@
       </p:grpSpPr>
       <p:sp>
         <p:nvSpPr>
-          <p:cNvPr id="4" name="標題 3"/>
-          <p:cNvSpPr>
-            <a:spLocks noGrp="1"/>
-          </p:cNvSpPr>
-          <p:nvPr>
-            <p:ph type="title"/>
-          </p:nvPr>
-        </p:nvSpPr>
-        <p:spPr/>
-        <p:txBody>
-          <a:bodyPr/>
-          <a:lstStyle/>
-          <a:p>
-            <a:r>
-              <a:rPr lang="zh-TW" altLang="en-US" b="1" dirty="0">
-                <a:solidFill>
-                  <a:srgbClr val="000066"/>
+          <p:cNvPr id="5" name="內容版面配置區 4"/>
+          <p:cNvSpPr>
+            <a:spLocks noGrp="1"/>
+          </p:cNvSpPr>
+          <p:nvPr>
+            <p:ph idx="1"/>
+          </p:nvPr>
+        </p:nvSpPr>
+        <p:spPr>
+          <a:xfrm>
+            <a:off x="0" y="2084851"/>
+            <a:ext cx="12192000" cy="2404863"/>
+          </a:xfrm>
+        </p:spPr>
+        <p:txBody>
+          <a:bodyPr anchor="ctr">
+            <a:normAutofit/>
+          </a:bodyPr>
+          <a:lstStyle/>
+          <a:p>
+            <a:pPr lvl="0" algn="ctr">
+              <a:buNone/>
+            </a:pPr>
+            <a:r>
+              <a:rPr lang="zh-TW" altLang="en-US" sz="6400" b="1" dirty="0">
+                <a:solidFill>
+                  <a:srgbClr val="660033"/>
                 </a:solidFill>
                 <a:latin typeface="微軟正黑體" pitchFamily="34" charset="-120"/>
                 <a:ea typeface="微軟正黑體" pitchFamily="34" charset="-120"/>
               </a:rPr>
-              <a:t>主除了我罪污</a:t>
-            </a:r>
-          </a:p>
-        </p:txBody>
-      </p:sp>
-      <p:sp>
-        <p:nvSpPr>
-          <p:cNvPr id="5" name="內容版面配置區 4"/>
-          <p:cNvSpPr>
-            <a:spLocks noGrp="1"/>
-          </p:cNvSpPr>
-          <p:nvPr>
-            <p:ph idx="1"/>
-          </p:nvPr>
-        </p:nvSpPr>
-        <p:spPr/>
-        <p:txBody>
-          <a:bodyPr>
-            <a:noAutofit/>
-          </a:bodyPr>
-          <a:lstStyle/>
-          <a:p>
-            <a:pPr lvl="0" algn="ctr">
+              <a:t>主除了我罪污  主除了我罪污</a:t>
+            </a:r>
+          </a:p>
+          <a:p>
+            <a:pPr algn="ctr">
               <a:buNone/>
             </a:pPr>
             <a:r>
-              <a:rPr lang="zh-TW" altLang="en-US" sz="5400" b="1" dirty="0">
-                <a:solidFill>
-                  <a:srgbClr val="000066"/>
-                </a:solidFill>
-                <a:latin typeface="微軟正黑體" pitchFamily="34" charset="-120"/>
-                <a:ea typeface="微軟正黑體" pitchFamily="34" charset="-120"/>
-              </a:rPr>
-              <a:t>主除了我罪污</a:t>
-            </a:r>
-          </a:p>
-          <a:p>
-            <a:pPr algn="ctr">
-              <a:buNone/>
-            </a:pPr>
-            <a:r>
-              <a:rPr lang="zh-TW" altLang="en-US" sz="5400" b="1" dirty="0">
-                <a:solidFill>
-                  <a:srgbClr val="000066"/>
-                </a:solidFill>
-                <a:latin typeface="微軟正黑體" pitchFamily="34" charset="-120"/>
-                <a:ea typeface="微軟正黑體" pitchFamily="34" charset="-120"/>
-              </a:rPr>
-              <a:t>主除了我罪污</a:t>
-            </a:r>
-          </a:p>
-          <a:p>
-            <a:pPr algn="ctr">
-              <a:buNone/>
-            </a:pPr>
-            <a:r>
-              <a:rPr lang="zh-CN" altLang="en-US" sz="5400" b="1" dirty="0">
-                <a:solidFill>
-                  <a:srgbClr val="000066"/>
+              <a:rPr lang="zh-CN" altLang="en-US" sz="6400" b="1" dirty="0">
+                <a:solidFill>
+                  <a:srgbClr val="660033"/>
                 </a:solidFill>
                 <a:latin typeface="微軟正黑體" pitchFamily="34" charset="-120"/>
                 <a:ea typeface="微軟正黑體" pitchFamily="34" charset="-120"/>
@@ -3770,67 +4531,42 @@
               <a:t>使</a:t>
             </a:r>
             <a:r>
-              <a:rPr lang="zh-TW" altLang="en-US" sz="5400" b="1" dirty="0">
-                <a:solidFill>
-                  <a:srgbClr val="000066"/>
+              <a:rPr lang="zh-TW" altLang="en-US" sz="6400" b="1" dirty="0">
+                <a:solidFill>
+                  <a:srgbClr val="660033"/>
                 </a:solidFill>
                 <a:latin typeface="微軟正黑體" pitchFamily="34" charset="-120"/>
                 <a:ea typeface="微軟正黑體" pitchFamily="34" charset="-120"/>
               </a:rPr>
               <a:t>我日日歌唱歡呼</a:t>
             </a:r>
-            <a:endParaRPr lang="en-US" altLang="zh-TW" sz="5400" b="1" dirty="0">
+            <a:endParaRPr lang="en-US" altLang="zh-TW" sz="6400" b="1" dirty="0">
               <a:solidFill>
-                <a:srgbClr val="000066"/>
+                <a:srgbClr val="660033"/>
               </a:solidFill>
               <a:latin typeface="微軟正黑體" pitchFamily="34" charset="-120"/>
               <a:ea typeface="微軟正黑體" pitchFamily="34" charset="-120"/>
             </a:endParaRPr>
           </a:p>
-          <a:p>
-            <a:pPr algn="ctr">
-              <a:buNone/>
-            </a:pPr>
-            <a:r>
-              <a:rPr lang="zh-TW" altLang="en-US" sz="5400" b="1" dirty="0">
-                <a:solidFill>
-                  <a:srgbClr val="000066"/>
-                </a:solidFill>
-                <a:latin typeface="微軟正黑體" pitchFamily="34" charset="-120"/>
-                <a:ea typeface="微軟正黑體" pitchFamily="34" charset="-120"/>
-              </a:rPr>
-              <a:t>真快樂  主除了我罪污</a:t>
-            </a:r>
-          </a:p>
-          <a:p>
-            <a:pPr algn="ctr">
-              <a:buNone/>
-            </a:pPr>
-            <a:r>
-              <a:rPr lang="zh-TW" altLang="en-US" sz="5400" b="1" dirty="0">
-                <a:solidFill>
-                  <a:srgbClr val="000066"/>
-                </a:solidFill>
-                <a:latin typeface="微軟正黑體" pitchFamily="34" charset="-120"/>
-                <a:ea typeface="微軟正黑體" pitchFamily="34" charset="-120"/>
-              </a:rPr>
-              <a:t>主除了我罪污</a:t>
-            </a:r>
-            <a:endParaRPr lang="zh-TW" altLang="en-US" sz="5400" b="1" dirty="0">
-              <a:solidFill>
-                <a:srgbClr val="000066"/>
-              </a:solidFill>
-              <a:latin typeface="微軟正黑體" pitchFamily="34" charset="-120"/>
-              <a:ea typeface="微軟正黑體" pitchFamily="34" charset="-120"/>
-            </a:endParaRPr>
-          </a:p>
         </p:txBody>
       </p:sp>
     </p:spTree>
+    <p:extLst>
+      <p:ext uri="{BB962C8B-B14F-4D97-AF65-F5344CB8AC3E}">
+        <p14:creationId xmlns:p14="http://schemas.microsoft.com/office/powerpoint/2010/main" val="2105868012"/>
+      </p:ext>
+    </p:extLst>
   </p:cSld>
   <p:clrMapOvr>
     <a:masterClrMapping/>
   </p:clrMapOvr>
+  <p:timing>
+    <p:tnLst>
+      <p:par>
+        <p:cTn id="1" dur="indefinite" restart="never" nodeType="tmRoot"/>
+      </p:par>
+    </p:tnLst>
+  </p:timing>
 </p:sld>
 </file>
 
@@ -3853,125 +4589,57 @@
       </p:grpSpPr>
       <p:sp>
         <p:nvSpPr>
-          <p:cNvPr id="4" name="標題 3"/>
-          <p:cNvSpPr>
-            <a:spLocks noGrp="1"/>
-          </p:cNvSpPr>
-          <p:nvPr>
-            <p:ph type="title"/>
-          </p:nvPr>
-        </p:nvSpPr>
-        <p:spPr/>
-        <p:txBody>
-          <a:bodyPr/>
-          <a:lstStyle/>
-          <a:p>
-            <a:r>
-              <a:rPr lang="zh-TW" altLang="en-US" b="1" dirty="0">
-                <a:solidFill>
-                  <a:srgbClr val="000066"/>
+          <p:cNvPr id="5" name="內容版面配置區 4"/>
+          <p:cNvSpPr>
+            <a:spLocks noGrp="1"/>
+          </p:cNvSpPr>
+          <p:nvPr>
+            <p:ph idx="1"/>
+          </p:nvPr>
+        </p:nvSpPr>
+        <p:spPr>
+          <a:xfrm>
+            <a:off x="0" y="2084851"/>
+            <a:ext cx="12192000" cy="2404863"/>
+          </a:xfrm>
+        </p:spPr>
+        <p:txBody>
+          <a:bodyPr anchor="ctr">
+            <a:normAutofit/>
+          </a:bodyPr>
+          <a:lstStyle/>
+          <a:p>
+            <a:pPr algn="ctr">
+              <a:buNone/>
+            </a:pPr>
+            <a:r>
+              <a:rPr lang="zh-TW" altLang="en-US" sz="6400" b="1" dirty="0">
+                <a:solidFill>
+                  <a:srgbClr val="660033"/>
+                </a:solidFill>
+                <a:latin typeface="微軟正黑體" pitchFamily="34" charset="-120"/>
+                <a:ea typeface="微軟正黑體" pitchFamily="34" charset="-120"/>
+              </a:rPr>
+              <a:t>真快樂  主除了我罪污</a:t>
+            </a:r>
+          </a:p>
+          <a:p>
+            <a:pPr algn="ctr">
+              <a:buNone/>
+            </a:pPr>
+            <a:r>
+              <a:rPr lang="zh-TW" altLang="en-US" sz="6400" b="1" dirty="0">
+                <a:solidFill>
+                  <a:srgbClr val="660033"/>
                 </a:solidFill>
                 <a:latin typeface="微軟正黑體" pitchFamily="34" charset="-120"/>
                 <a:ea typeface="微軟正黑體" pitchFamily="34" charset="-120"/>
               </a:rPr>
               <a:t>主除了我罪污</a:t>
             </a:r>
-          </a:p>
-        </p:txBody>
-      </p:sp>
-      <p:sp>
-        <p:nvSpPr>
-          <p:cNvPr id="5" name="內容版面配置區 4"/>
-          <p:cNvSpPr>
-            <a:spLocks noGrp="1"/>
-          </p:cNvSpPr>
-          <p:nvPr>
-            <p:ph idx="1"/>
-          </p:nvPr>
-        </p:nvSpPr>
-        <p:spPr/>
-        <p:txBody>
-          <a:bodyPr>
-            <a:noAutofit/>
-          </a:bodyPr>
-          <a:lstStyle/>
-          <a:p>
-            <a:pPr algn="ctr">
-              <a:buNone/>
-            </a:pPr>
-            <a:r>
-              <a:rPr lang="zh-TW" altLang="en-US" sz="5400" b="1" dirty="0">
-                <a:solidFill>
-                  <a:srgbClr val="000066"/>
-                </a:solidFill>
-                <a:latin typeface="微軟正黑體" pitchFamily="34" charset="-120"/>
-                <a:ea typeface="微軟正黑體" pitchFamily="34" charset="-120"/>
-              </a:rPr>
-              <a:t>我真深知總快不再定罪</a:t>
-            </a:r>
-          </a:p>
-          <a:p>
-            <a:pPr algn="ctr">
-              <a:buNone/>
-            </a:pPr>
-            <a:r>
-              <a:rPr lang="zh-TW" altLang="en-US" sz="5400" b="1" dirty="0">
-                <a:solidFill>
-                  <a:srgbClr val="000066"/>
-                </a:solidFill>
-                <a:latin typeface="微軟正黑體" pitchFamily="34" charset="-120"/>
-                <a:ea typeface="微軟正黑體" pitchFamily="34" charset="-120"/>
-              </a:rPr>
-              <a:t>主除了我罪污</a:t>
-            </a:r>
-          </a:p>
-          <a:p>
-            <a:pPr algn="ctr">
-              <a:buNone/>
-            </a:pPr>
-            <a:r>
-              <a:rPr lang="zh-TW" altLang="en-US" sz="5400" b="1" dirty="0">
-                <a:solidFill>
-                  <a:srgbClr val="000066"/>
-                </a:solidFill>
-                <a:latin typeface="微軟正黑體" pitchFamily="34" charset="-120"/>
-                <a:ea typeface="微軟正黑體" pitchFamily="34" charset="-120"/>
-              </a:rPr>
-              <a:t>主除了我罪污</a:t>
-            </a:r>
-          </a:p>
-          <a:p>
-            <a:pPr algn="ctr">
-              <a:buNone/>
-            </a:pPr>
-            <a:r>
-              <a:rPr lang="zh-TW" altLang="en-US" sz="5400" b="1" dirty="0">
-                <a:solidFill>
-                  <a:srgbClr val="000066"/>
-                </a:solidFill>
-                <a:latin typeface="微軟正黑體" pitchFamily="34" charset="-120"/>
-                <a:ea typeface="微軟正黑體" pitchFamily="34" charset="-120"/>
-              </a:rPr>
-              <a:t>主賜意外平安在我心內</a:t>
-            </a:r>
-          </a:p>
-          <a:p>
-            <a:pPr algn="ctr">
-              <a:buNone/>
-            </a:pPr>
-            <a:r>
-              <a:rPr lang="zh-TW" altLang="en-US" sz="5400" b="1" dirty="0">
-                <a:solidFill>
-                  <a:srgbClr val="000066"/>
-                </a:solidFill>
-                <a:latin typeface="微軟正黑體" pitchFamily="34" charset="-120"/>
-                <a:ea typeface="微軟正黑體" pitchFamily="34" charset="-120"/>
-              </a:rPr>
-              <a:t>主除了我罪污</a:t>
-            </a:r>
-            <a:endParaRPr lang="zh-TW" altLang="en-US" sz="5400" b="1" dirty="0">
+            <a:endParaRPr lang="zh-TW" altLang="en-US" sz="6400" b="1" dirty="0">
               <a:solidFill>
-                <a:srgbClr val="000066"/>
+                <a:srgbClr val="660033"/>
               </a:solidFill>
               <a:latin typeface="微軟正黑體" pitchFamily="34" charset="-120"/>
               <a:ea typeface="微軟正黑體" pitchFamily="34" charset="-120"/>
@@ -3979,57 +4647,23 @@
           </a:p>
         </p:txBody>
       </p:sp>
-      <p:sp>
-        <p:nvSpPr>
-          <p:cNvPr id="6" name="TextBox 5"/>
-          <p:cNvSpPr txBox="1"/>
-          <p:nvPr/>
-        </p:nvSpPr>
-        <p:spPr>
-          <a:xfrm>
-            <a:off x="839416" y="1600201"/>
-            <a:ext cx="1440160" cy="923330"/>
-          </a:xfrm>
-          <a:prstGeom prst="rect">
-            <a:avLst/>
-          </a:prstGeom>
-          <a:noFill/>
-        </p:spPr>
-        <p:txBody>
-          <a:bodyPr wrap="square" rtlCol="0">
-            <a:spAutoFit/>
-          </a:bodyPr>
-          <a:lstStyle/>
-          <a:p>
-            <a:r>
-              <a:rPr lang="vi-VN" sz="5400" b="1" dirty="0">
-                <a:solidFill>
-                  <a:srgbClr val="000066"/>
-                </a:solidFill>
-              </a:rPr>
-              <a:t>3</a:t>
-            </a:r>
-            <a:r>
-              <a:rPr lang="vi-VN" sz="5400" b="1" dirty="0" smtClean="0">
-                <a:solidFill>
-                  <a:srgbClr val="000066"/>
-                </a:solidFill>
-              </a:rPr>
-              <a:t>.</a:t>
-            </a:r>
-            <a:endParaRPr lang="vi-VN" sz="5400" b="1" dirty="0">
-              <a:solidFill>
-                <a:srgbClr val="000066"/>
-              </a:solidFill>
-            </a:endParaRPr>
-          </a:p>
-        </p:txBody>
-      </p:sp>
     </p:spTree>
+    <p:extLst>
+      <p:ext uri="{BB962C8B-B14F-4D97-AF65-F5344CB8AC3E}">
+        <p14:creationId xmlns:p14="http://schemas.microsoft.com/office/powerpoint/2010/main" val="2328447609"/>
+      </p:ext>
+    </p:extLst>
   </p:cSld>
   <p:clrMapOvr>
     <a:masterClrMapping/>
   </p:clrMapOvr>
+  <p:timing>
+    <p:tnLst>
+      <p:par>
+        <p:cTn id="1" dur="indefinite" restart="never" nodeType="tmRoot"/>
+      </p:par>
+    </p:tnLst>
+  </p:timing>
 </p:sld>
 </file>
 
@@ -4052,76 +4686,58 @@
       </p:grpSpPr>
       <p:sp>
         <p:nvSpPr>
-          <p:cNvPr id="4" name="標題 3"/>
-          <p:cNvSpPr>
-            <a:spLocks noGrp="1"/>
-          </p:cNvSpPr>
-          <p:nvPr>
-            <p:ph type="title"/>
-          </p:nvPr>
-        </p:nvSpPr>
-        <p:spPr/>
-        <p:txBody>
-          <a:bodyPr/>
-          <a:lstStyle/>
-          <a:p>
-            <a:r>
-              <a:rPr lang="zh-TW" altLang="en-US" b="1" dirty="0">
-                <a:solidFill>
-                  <a:srgbClr val="000066"/>
+          <p:cNvPr id="5" name="內容版面配置區 4"/>
+          <p:cNvSpPr>
+            <a:spLocks noGrp="1"/>
+          </p:cNvSpPr>
+          <p:nvPr>
+            <p:ph idx="1"/>
+          </p:nvPr>
+        </p:nvSpPr>
+        <p:spPr>
+          <a:xfrm>
+            <a:off x="0" y="2084851"/>
+            <a:ext cx="12192000" cy="2404863"/>
+          </a:xfrm>
+        </p:spPr>
+        <p:txBody>
+          <a:bodyPr anchor="ctr">
+            <a:normAutofit/>
+          </a:bodyPr>
+          <a:lstStyle/>
+          <a:p>
+            <a:pPr algn="ctr">
+              <a:buNone/>
+            </a:pPr>
+            <a:r>
+              <a:rPr lang="zh-TW" altLang="en-US" sz="6400" b="1" dirty="0">
+                <a:solidFill>
+                  <a:srgbClr val="660033"/>
                 </a:solidFill>
                 <a:latin typeface="微軟正黑體" pitchFamily="34" charset="-120"/>
                 <a:ea typeface="微軟正黑體" pitchFamily="34" charset="-120"/>
               </a:rPr>
-              <a:t>主除了我罪污</a:t>
-            </a:r>
-          </a:p>
-        </p:txBody>
-      </p:sp>
-      <p:sp>
-        <p:nvSpPr>
-          <p:cNvPr id="5" name="內容版面配置區 4"/>
-          <p:cNvSpPr>
-            <a:spLocks noGrp="1"/>
-          </p:cNvSpPr>
-          <p:nvPr>
-            <p:ph idx="1"/>
-          </p:nvPr>
-        </p:nvSpPr>
-        <p:spPr/>
-        <p:txBody>
-          <a:bodyPr>
-            <a:noAutofit/>
-          </a:bodyPr>
-          <a:lstStyle/>
-          <a:p>
-            <a:pPr lvl="0" algn="ctr">
-              <a:buNone/>
-            </a:pPr>
-            <a:r>
-              <a:rPr lang="zh-TW" altLang="en-US" sz="5400" b="1" dirty="0">
-                <a:solidFill>
-                  <a:srgbClr val="000066"/>
+              <a:t>罪擔極重使我無</a:t>
+            </a:r>
+            <a:r>
+              <a:rPr lang="zh-CN" altLang="en-US" sz="6400" b="1" dirty="0">
+                <a:solidFill>
+                  <a:srgbClr val="660033"/>
                 </a:solidFill>
                 <a:latin typeface="微軟正黑體" pitchFamily="34" charset="-120"/>
                 <a:ea typeface="微軟正黑體" pitchFamily="34" charset="-120"/>
               </a:rPr>
-              <a:t>主除了我罪污</a:t>
-            </a:r>
-          </a:p>
-          <a:p>
-            <a:pPr algn="ctr">
-              <a:buNone/>
-            </a:pPr>
-            <a:r>
-              <a:rPr lang="zh-TW" altLang="en-US" sz="5400" b="1" dirty="0">
-                <a:solidFill>
-                  <a:srgbClr val="000066"/>
+              <a:t>法</a:t>
+            </a:r>
+            <a:r>
+              <a:rPr lang="zh-TW" altLang="en-US" sz="6400" b="1" dirty="0">
+                <a:solidFill>
+                  <a:srgbClr val="660033"/>
                 </a:solidFill>
                 <a:latin typeface="微軟正黑體" pitchFamily="34" charset="-120"/>
                 <a:ea typeface="微軟正黑體" pitchFamily="34" charset="-120"/>
               </a:rPr>
-              <a:t>主除了我罪污</a:t>
+              <a:t>負起</a:t>
             </a:r>
           </a:p>
           <a:p>
@@ -4129,77 +4745,81 @@
               <a:buNone/>
             </a:pPr>
             <a:r>
-              <a:rPr lang="zh-CN" altLang="en-US" sz="5400" b="1" dirty="0">
-                <a:solidFill>
-                  <a:srgbClr val="000066"/>
+              <a:rPr lang="zh-TW" altLang="en-US" sz="6400" b="1" dirty="0">
+                <a:solidFill>
+                  <a:srgbClr val="660033"/>
                 </a:solidFill>
                 <a:latin typeface="微軟正黑體" pitchFamily="34" charset="-120"/>
                 <a:ea typeface="微軟正黑體" pitchFamily="34" charset="-120"/>
               </a:rPr>
-              <a:t>使</a:t>
-            </a:r>
-            <a:r>
-              <a:rPr lang="zh-TW" altLang="en-US" sz="5400" b="1" dirty="0">
-                <a:solidFill>
-                  <a:srgbClr val="000066"/>
-                </a:solidFill>
-                <a:latin typeface="微軟正黑體" pitchFamily="34" charset="-120"/>
-                <a:ea typeface="微軟正黑體" pitchFamily="34" charset="-120"/>
-              </a:rPr>
-              <a:t>我日日歌唱歡呼</a:t>
-            </a:r>
-            <a:endParaRPr lang="en-US" altLang="zh-TW" sz="5400" b="1" dirty="0">
+              <a:t>主除了我罪污  主除了我罪污</a:t>
+            </a:r>
+            <a:endParaRPr lang="zh-TW" altLang="en-US" sz="6400" b="1" dirty="0">
               <a:solidFill>
-                <a:srgbClr val="000066"/>
+                <a:srgbClr val="660033"/>
               </a:solidFill>
               <a:latin typeface="微軟正黑體" pitchFamily="34" charset="-120"/>
               <a:ea typeface="微軟正黑體" pitchFamily="34" charset="-120"/>
             </a:endParaRPr>
           </a:p>
-          <a:p>
-            <a:pPr algn="ctr">
-              <a:buNone/>
-            </a:pPr>
-            <a:r>
-              <a:rPr lang="zh-TW" altLang="en-US" sz="5400" b="1" dirty="0">
-                <a:solidFill>
-                  <a:srgbClr val="000066"/>
-                </a:solidFill>
-                <a:latin typeface="微軟正黑體" pitchFamily="34" charset="-120"/>
-                <a:ea typeface="微軟正黑體" pitchFamily="34" charset="-120"/>
+        </p:txBody>
+      </p:sp>
+      <p:sp>
+        <p:nvSpPr>
+          <p:cNvPr id="3" name="TextBox 2"/>
+          <p:cNvSpPr txBox="1"/>
+          <p:nvPr/>
+        </p:nvSpPr>
+        <p:spPr>
+          <a:xfrm>
+            <a:off x="0" y="5349214"/>
+            <a:ext cx="12192000" cy="830997"/>
+          </a:xfrm>
+          <a:prstGeom prst="rect">
+            <a:avLst/>
+          </a:prstGeom>
+          <a:noFill/>
+        </p:spPr>
+        <p:txBody>
+          <a:bodyPr wrap="square" rtlCol="0">
+            <a:spAutoFit/>
+          </a:bodyPr>
+          <a:lstStyle/>
+          <a:p>
+            <a:pPr algn="ctr"/>
+            <a:r>
+              <a:rPr lang="en-US" sz="4800" b="1" dirty="0">
+                <a:solidFill>
+                  <a:srgbClr val="660033"/>
+                </a:solidFill>
               </a:rPr>
-              <a:t>真快樂  主除了我罪污</a:t>
-            </a:r>
-          </a:p>
-          <a:p>
-            <a:pPr algn="ctr">
-              <a:buNone/>
-            </a:pPr>
-            <a:r>
-              <a:rPr lang="zh-TW" altLang="en-US" sz="5400" b="1" dirty="0">
-                <a:solidFill>
-                  <a:srgbClr val="000066"/>
-                </a:solidFill>
-                <a:latin typeface="微軟正黑體" pitchFamily="34" charset="-120"/>
-                <a:ea typeface="微軟正黑體" pitchFamily="34" charset="-120"/>
-              </a:rPr>
-              <a:t>主除了我罪污</a:t>
-            </a:r>
-            <a:endParaRPr lang="zh-TW" altLang="en-US" sz="5400" b="1" dirty="0">
+              <a:t>( 2 )</a:t>
+            </a:r>
+            <a:endParaRPr lang="vi-VN" sz="4800" b="1" dirty="0">
               <a:solidFill>
-                <a:srgbClr val="000066"/>
+                <a:srgbClr val="660033"/>
               </a:solidFill>
-              <a:latin typeface="微軟正黑體" pitchFamily="34" charset="-120"/>
-              <a:ea typeface="微軟正黑體" pitchFamily="34" charset="-120"/>
             </a:endParaRPr>
           </a:p>
         </p:txBody>
       </p:sp>
     </p:spTree>
+    <p:extLst>
+      <p:ext uri="{BB962C8B-B14F-4D97-AF65-F5344CB8AC3E}">
+        <p14:creationId xmlns:p14="http://schemas.microsoft.com/office/powerpoint/2010/main" val="1107520916"/>
+      </p:ext>
+    </p:extLst>
   </p:cSld>
   <p:clrMapOvr>
     <a:masterClrMapping/>
   </p:clrMapOvr>
+  <p:timing>
+    <p:tnLst>
+      <p:par>
+        <p:cTn id="1" dur="indefinite" restart="never" nodeType="tmRoot"/>
+      </p:par>
+    </p:tnLst>
+  </p:timing>
 </p:sld>
 </file>
 
@@ -4222,125 +4842,57 @@
       </p:grpSpPr>
       <p:sp>
         <p:nvSpPr>
-          <p:cNvPr id="4" name="標題 3"/>
-          <p:cNvSpPr>
-            <a:spLocks noGrp="1"/>
-          </p:cNvSpPr>
-          <p:nvPr>
-            <p:ph type="title"/>
-          </p:nvPr>
-        </p:nvSpPr>
-        <p:spPr/>
-        <p:txBody>
-          <a:bodyPr/>
-          <a:lstStyle/>
-          <a:p>
-            <a:r>
-              <a:rPr lang="zh-TW" altLang="en-US" b="1" dirty="0">
-                <a:solidFill>
-                  <a:srgbClr val="000066"/>
+          <p:cNvPr id="5" name="內容版面配置區 4"/>
+          <p:cNvSpPr>
+            <a:spLocks noGrp="1"/>
+          </p:cNvSpPr>
+          <p:nvPr>
+            <p:ph idx="1"/>
+          </p:nvPr>
+        </p:nvSpPr>
+        <p:spPr>
+          <a:xfrm>
+            <a:off x="0" y="2084851"/>
+            <a:ext cx="12192000" cy="2404863"/>
+          </a:xfrm>
+        </p:spPr>
+        <p:txBody>
+          <a:bodyPr anchor="ctr">
+            <a:normAutofit/>
+          </a:bodyPr>
+          <a:lstStyle/>
+          <a:p>
+            <a:pPr algn="ctr">
+              <a:buNone/>
+            </a:pPr>
+            <a:r>
+              <a:rPr lang="zh-TW" altLang="en-US" sz="6400" b="1" dirty="0">
+                <a:solidFill>
+                  <a:srgbClr val="660033"/>
+                </a:solidFill>
+                <a:latin typeface="微軟正黑體" pitchFamily="34" charset="-120"/>
+                <a:ea typeface="微軟正黑體" pitchFamily="34" charset="-120"/>
+              </a:rPr>
+              <a:t>仰望救主賜我力供我需</a:t>
+            </a:r>
+          </a:p>
+          <a:p>
+            <a:pPr algn="ctr">
+              <a:buNone/>
+            </a:pPr>
+            <a:r>
+              <a:rPr lang="zh-TW" altLang="en-US" sz="6400" b="1" dirty="0">
+                <a:solidFill>
+                  <a:srgbClr val="660033"/>
                 </a:solidFill>
                 <a:latin typeface="微軟正黑體" pitchFamily="34" charset="-120"/>
                 <a:ea typeface="微軟正黑體" pitchFamily="34" charset="-120"/>
               </a:rPr>
               <a:t>主除了我罪污</a:t>
             </a:r>
-          </a:p>
-        </p:txBody>
-      </p:sp>
-      <p:sp>
-        <p:nvSpPr>
-          <p:cNvPr id="5" name="內容版面配置區 4"/>
-          <p:cNvSpPr>
-            <a:spLocks noGrp="1"/>
-          </p:cNvSpPr>
-          <p:nvPr>
-            <p:ph idx="1"/>
-          </p:nvPr>
-        </p:nvSpPr>
-        <p:spPr/>
-        <p:txBody>
-          <a:bodyPr>
-            <a:noAutofit/>
-          </a:bodyPr>
-          <a:lstStyle/>
-          <a:p>
-            <a:pPr algn="ctr">
-              <a:buNone/>
-            </a:pPr>
-            <a:r>
-              <a:rPr lang="zh-TW" altLang="en-US" sz="5400" b="1" dirty="0">
-                <a:solidFill>
-                  <a:srgbClr val="000066"/>
-                </a:solidFill>
-                <a:latin typeface="微軟正黑體" pitchFamily="34" charset="-120"/>
-                <a:ea typeface="微軟正黑體" pitchFamily="34" charset="-120"/>
-              </a:rPr>
-              <a:t>現在請你快來就我救主</a:t>
-            </a:r>
-          </a:p>
-          <a:p>
-            <a:pPr algn="ctr">
-              <a:buNone/>
-            </a:pPr>
-            <a:r>
-              <a:rPr lang="zh-TW" altLang="en-US" sz="5400" b="1" dirty="0">
-                <a:solidFill>
-                  <a:srgbClr val="000066"/>
-                </a:solidFill>
-                <a:latin typeface="微軟正黑體" pitchFamily="34" charset="-120"/>
-                <a:ea typeface="微軟正黑體" pitchFamily="34" charset="-120"/>
-              </a:rPr>
-              <a:t>主能除你罪污</a:t>
-            </a:r>
-          </a:p>
-          <a:p>
-            <a:pPr algn="ctr">
-              <a:buNone/>
-            </a:pPr>
-            <a:r>
-              <a:rPr lang="zh-TW" altLang="en-US" sz="5400" b="1" dirty="0">
-                <a:solidFill>
-                  <a:srgbClr val="000066"/>
-                </a:solidFill>
-                <a:latin typeface="微軟正黑體" pitchFamily="34" charset="-120"/>
-                <a:ea typeface="微軟正黑體" pitchFamily="34" charset="-120"/>
-              </a:rPr>
-              <a:t>主能除你罪污</a:t>
-            </a:r>
-          </a:p>
-          <a:p>
-            <a:pPr algn="ctr">
-              <a:buNone/>
-            </a:pPr>
-            <a:r>
-              <a:rPr lang="zh-TW" altLang="en-US" sz="5400" b="1" dirty="0">
-                <a:solidFill>
-                  <a:srgbClr val="000066"/>
-                </a:solidFill>
-                <a:latin typeface="微軟正黑體" pitchFamily="34" charset="-120"/>
-                <a:ea typeface="微軟正黑體" pitchFamily="34" charset="-120"/>
-              </a:rPr>
-              <a:t>在主愛中保守你走天路</a:t>
-            </a:r>
-          </a:p>
-          <a:p>
-            <a:pPr algn="ctr">
-              <a:buNone/>
-            </a:pPr>
-            <a:r>
-              <a:rPr lang="zh-TW" altLang="en-US" sz="5400" b="1" dirty="0">
-                <a:solidFill>
-                  <a:srgbClr val="000066"/>
-                </a:solidFill>
-                <a:latin typeface="微軟正黑體" pitchFamily="34" charset="-120"/>
-                <a:ea typeface="微軟正黑體" pitchFamily="34" charset="-120"/>
-              </a:rPr>
-              <a:t>主能除你罪污</a:t>
-            </a:r>
-            <a:endParaRPr lang="zh-TW" altLang="en-US" sz="5400" b="1" dirty="0">
+            <a:endParaRPr lang="zh-TW" altLang="en-US" sz="6400" b="1" dirty="0">
               <a:solidFill>
-                <a:srgbClr val="000066"/>
+                <a:srgbClr val="660033"/>
               </a:solidFill>
               <a:latin typeface="微軟正黑體" pitchFamily="34" charset="-120"/>
               <a:ea typeface="微軟正黑體" pitchFamily="34" charset="-120"/>
@@ -4350,14 +4902,14 @@
       </p:sp>
       <p:sp>
         <p:nvSpPr>
-          <p:cNvPr id="6" name="TextBox 5"/>
+          <p:cNvPr id="3" name="TextBox 2"/>
           <p:cNvSpPr txBox="1"/>
           <p:nvPr/>
         </p:nvSpPr>
         <p:spPr>
           <a:xfrm>
-            <a:off x="839416" y="1600201"/>
-            <a:ext cx="1440160" cy="923330"/>
+            <a:off x="0" y="5349214"/>
+            <a:ext cx="12192000" cy="830997"/>
           </a:xfrm>
           <a:prstGeom prst="rect">
             <a:avLst/>
@@ -4370,35 +4922,40 @@
           </a:bodyPr>
           <a:lstStyle/>
           <a:p>
-            <a:r>
-              <a:rPr lang="vi-VN" sz="5400" b="1" dirty="0">
-                <a:solidFill>
-                  <a:srgbClr val="000066"/>
+            <a:pPr algn="ctr"/>
+            <a:r>
+              <a:rPr lang="en-US" sz="4800" b="1" dirty="0">
+                <a:solidFill>
+                  <a:srgbClr val="660033"/>
                 </a:solidFill>
               </a:rPr>
-              <a:t>4</a:t>
-            </a:r>
-            <a:r>
-              <a:rPr lang="vi-VN" sz="5400" b="1" dirty="0" smtClean="0">
-                <a:solidFill>
-                  <a:srgbClr val="000066"/>
-                </a:solidFill>
-              </a:rPr>
-              <a:t>.</a:t>
-            </a:r>
-            <a:endParaRPr lang="vi-VN" sz="5400" b="1" dirty="0">
+              <a:t>( 2 )</a:t>
+            </a:r>
+            <a:endParaRPr lang="vi-VN" sz="4800" b="1" dirty="0">
               <a:solidFill>
-                <a:srgbClr val="000066"/>
+                <a:srgbClr val="660033"/>
               </a:solidFill>
             </a:endParaRPr>
           </a:p>
         </p:txBody>
       </p:sp>
     </p:spTree>
+    <p:extLst>
+      <p:ext uri="{BB962C8B-B14F-4D97-AF65-F5344CB8AC3E}">
+        <p14:creationId xmlns:p14="http://schemas.microsoft.com/office/powerpoint/2010/main" val="80516313"/>
+      </p:ext>
+    </p:extLst>
   </p:cSld>
   <p:clrMapOvr>
     <a:masterClrMapping/>
   </p:clrMapOvr>
+  <p:timing>
+    <p:tnLst>
+      <p:par>
+        <p:cTn id="1" dur="indefinite" restart="never" nodeType="tmRoot"/>
+      </p:par>
+    </p:tnLst>
+  </p:timing>
 </p:sld>
 </file>
 
@@ -4421,154 +4978,188 @@
       </p:grpSpPr>
       <p:sp>
         <p:nvSpPr>
-          <p:cNvPr id="4" name="標題 3"/>
-          <p:cNvSpPr>
-            <a:spLocks noGrp="1"/>
-          </p:cNvSpPr>
-          <p:nvPr>
-            <p:ph type="title"/>
-          </p:nvPr>
-        </p:nvSpPr>
-        <p:spPr/>
-        <p:txBody>
-          <a:bodyPr/>
-          <a:lstStyle/>
-          <a:p>
-            <a:r>
-              <a:rPr lang="zh-TW" altLang="en-US" b="1" dirty="0">
-                <a:solidFill>
-                  <a:srgbClr val="000066"/>
+          <p:cNvPr id="5" name="內容版面配置區 4"/>
+          <p:cNvSpPr>
+            <a:spLocks noGrp="1"/>
+          </p:cNvSpPr>
+          <p:nvPr>
+            <p:ph idx="1"/>
+          </p:nvPr>
+        </p:nvSpPr>
+        <p:spPr>
+          <a:xfrm>
+            <a:off x="0" y="2084851"/>
+            <a:ext cx="12192000" cy="2404863"/>
+          </a:xfrm>
+        </p:spPr>
+        <p:txBody>
+          <a:bodyPr anchor="ctr">
+            <a:normAutofit/>
+          </a:bodyPr>
+          <a:lstStyle/>
+          <a:p>
+            <a:pPr lvl="0" algn="ctr">
+              <a:buNone/>
+            </a:pPr>
+            <a:r>
+              <a:rPr lang="zh-TW" altLang="en-US" sz="6400" b="1" dirty="0">
+                <a:solidFill>
+                  <a:srgbClr val="660033"/>
+                </a:solidFill>
+                <a:latin typeface="微軟正黑體" pitchFamily="34" charset="-120"/>
+                <a:ea typeface="微軟正黑體" pitchFamily="34" charset="-120"/>
+              </a:rPr>
+              <a:t>主除了我罪污  主除了我罪污</a:t>
+            </a:r>
+          </a:p>
+          <a:p>
+            <a:pPr algn="ctr">
+              <a:buNone/>
+            </a:pPr>
+            <a:r>
+              <a:rPr lang="zh-CN" altLang="en-US" sz="6400" b="1" dirty="0">
+                <a:solidFill>
+                  <a:srgbClr val="660033"/>
+                </a:solidFill>
+                <a:latin typeface="微軟正黑體" pitchFamily="34" charset="-120"/>
+                <a:ea typeface="微軟正黑體" pitchFamily="34" charset="-120"/>
+              </a:rPr>
+              <a:t>使</a:t>
+            </a:r>
+            <a:r>
+              <a:rPr lang="zh-TW" altLang="en-US" sz="6400" b="1" dirty="0">
+                <a:solidFill>
+                  <a:srgbClr val="660033"/>
+                </a:solidFill>
+                <a:latin typeface="微軟正黑體" pitchFamily="34" charset="-120"/>
+                <a:ea typeface="微軟正黑體" pitchFamily="34" charset="-120"/>
+              </a:rPr>
+              <a:t>我日日歌唱歡呼</a:t>
+            </a:r>
+            <a:endParaRPr lang="en-US" altLang="zh-TW" sz="6400" b="1" dirty="0">
+              <a:solidFill>
+                <a:srgbClr val="660033"/>
+              </a:solidFill>
+              <a:latin typeface="微軟正黑體" pitchFamily="34" charset="-120"/>
+              <a:ea typeface="微軟正黑體" pitchFamily="34" charset="-120"/>
+            </a:endParaRPr>
+          </a:p>
+        </p:txBody>
+      </p:sp>
+    </p:spTree>
+    <p:extLst>
+      <p:ext uri="{BB962C8B-B14F-4D97-AF65-F5344CB8AC3E}">
+        <p14:creationId xmlns:p14="http://schemas.microsoft.com/office/powerpoint/2010/main" val="2978340548"/>
+      </p:ext>
+    </p:extLst>
+  </p:cSld>
+  <p:clrMapOvr>
+    <a:masterClrMapping/>
+  </p:clrMapOvr>
+  <p:timing>
+    <p:tnLst>
+      <p:par>
+        <p:cTn id="1" dur="indefinite" restart="never" nodeType="tmRoot"/>
+      </p:par>
+    </p:tnLst>
+  </p:timing>
+</p:sld>
+</file>
+
+<file path=ppt/slides/slide9.xml><?xml version="1.0" encoding="utf-8"?>
+<p:sld xmlns:a="http://schemas.openxmlformats.org/drawingml/2006/main" xmlns:r="http://schemas.openxmlformats.org/officeDocument/2006/relationships" xmlns:p="http://schemas.openxmlformats.org/presentationml/2006/main">
+  <p:cSld>
+    <p:spTree>
+      <p:nvGrpSpPr>
+        <p:cNvPr id="1" name=""/>
+        <p:cNvGrpSpPr/>
+        <p:nvPr/>
+      </p:nvGrpSpPr>
+      <p:grpSpPr>
+        <a:xfrm>
+          <a:off x="0" y="0"/>
+          <a:ext cx="0" cy="0"/>
+          <a:chOff x="0" y="0"/>
+          <a:chExt cx="0" cy="0"/>
+        </a:xfrm>
+      </p:grpSpPr>
+      <p:sp>
+        <p:nvSpPr>
+          <p:cNvPr id="5" name="內容版面配置區 4"/>
+          <p:cNvSpPr>
+            <a:spLocks noGrp="1"/>
+          </p:cNvSpPr>
+          <p:nvPr>
+            <p:ph idx="1"/>
+          </p:nvPr>
+        </p:nvSpPr>
+        <p:spPr>
+          <a:xfrm>
+            <a:off x="0" y="2084851"/>
+            <a:ext cx="12192000" cy="2404863"/>
+          </a:xfrm>
+        </p:spPr>
+        <p:txBody>
+          <a:bodyPr anchor="ctr">
+            <a:normAutofit/>
+          </a:bodyPr>
+          <a:lstStyle/>
+          <a:p>
+            <a:pPr algn="ctr">
+              <a:buNone/>
+            </a:pPr>
+            <a:r>
+              <a:rPr lang="zh-TW" altLang="en-US" sz="6400" b="1" dirty="0">
+                <a:solidFill>
+                  <a:srgbClr val="660033"/>
+                </a:solidFill>
+                <a:latin typeface="微軟正黑體" pitchFamily="34" charset="-120"/>
+                <a:ea typeface="微軟正黑體" pitchFamily="34" charset="-120"/>
+              </a:rPr>
+              <a:t>真快樂  主除了我罪污</a:t>
+            </a:r>
+          </a:p>
+          <a:p>
+            <a:pPr algn="ctr">
+              <a:buNone/>
+            </a:pPr>
+            <a:r>
+              <a:rPr lang="zh-TW" altLang="en-US" sz="6400" b="1" dirty="0">
+                <a:solidFill>
+                  <a:srgbClr val="660033"/>
                 </a:solidFill>
                 <a:latin typeface="微軟正黑體" pitchFamily="34" charset="-120"/>
                 <a:ea typeface="微軟正黑體" pitchFamily="34" charset="-120"/>
               </a:rPr>
               <a:t>主除了我罪污</a:t>
             </a:r>
-          </a:p>
-        </p:txBody>
-      </p:sp>
-      <p:sp>
-        <p:nvSpPr>
-          <p:cNvPr id="5" name="內容版面配置區 4"/>
-          <p:cNvSpPr>
-            <a:spLocks noGrp="1"/>
-          </p:cNvSpPr>
-          <p:nvPr>
-            <p:ph idx="1"/>
-          </p:nvPr>
-        </p:nvSpPr>
-        <p:spPr/>
-        <p:txBody>
-          <a:bodyPr>
-            <a:noAutofit/>
-          </a:bodyPr>
-          <a:lstStyle/>
-          <a:p>
-            <a:pPr lvl="0" algn="ctr">
-              <a:buNone/>
-            </a:pPr>
-            <a:r>
-              <a:rPr lang="zh-TW" altLang="en-US" sz="5400" b="1" dirty="0">
-                <a:solidFill>
-                  <a:srgbClr val="000066"/>
-                </a:solidFill>
-                <a:latin typeface="微軟正黑體" pitchFamily="34" charset="-120"/>
-                <a:ea typeface="微軟正黑體" pitchFamily="34" charset="-120"/>
-              </a:rPr>
-              <a:t>主除了我罪污</a:t>
-            </a:r>
-          </a:p>
-          <a:p>
-            <a:pPr algn="ctr">
-              <a:buNone/>
-            </a:pPr>
-            <a:r>
-              <a:rPr lang="zh-TW" altLang="en-US" sz="5400" b="1" dirty="0">
-                <a:solidFill>
-                  <a:srgbClr val="000066"/>
-                </a:solidFill>
-                <a:latin typeface="微軟正黑體" pitchFamily="34" charset="-120"/>
-                <a:ea typeface="微軟正黑體" pitchFamily="34" charset="-120"/>
-              </a:rPr>
-              <a:t>主除了我罪污</a:t>
-            </a:r>
-          </a:p>
-          <a:p>
-            <a:pPr algn="ctr">
-              <a:buNone/>
-            </a:pPr>
-            <a:r>
-              <a:rPr lang="zh-CN" altLang="en-US" sz="5400" b="1" dirty="0">
-                <a:solidFill>
-                  <a:srgbClr val="000066"/>
-                </a:solidFill>
-                <a:latin typeface="微軟正黑體" pitchFamily="34" charset="-120"/>
-                <a:ea typeface="微軟正黑體" pitchFamily="34" charset="-120"/>
-              </a:rPr>
-              <a:t>使</a:t>
-            </a:r>
-            <a:r>
-              <a:rPr lang="zh-TW" altLang="en-US" sz="5400" b="1" dirty="0">
-                <a:solidFill>
-                  <a:srgbClr val="000066"/>
-                </a:solidFill>
-                <a:latin typeface="微軟正黑體" pitchFamily="34" charset="-120"/>
-                <a:ea typeface="微軟正黑體" pitchFamily="34" charset="-120"/>
-              </a:rPr>
-              <a:t>我日日歌唱歡呼</a:t>
-            </a:r>
-            <a:endParaRPr lang="en-US" altLang="zh-TW" sz="5400" b="1" dirty="0">
+            <a:endParaRPr lang="zh-TW" altLang="en-US" sz="6400" b="1" dirty="0">
               <a:solidFill>
-                <a:srgbClr val="000066"/>
+                <a:srgbClr val="660033"/>
               </a:solidFill>
               <a:latin typeface="微軟正黑體" pitchFamily="34" charset="-120"/>
               <a:ea typeface="微軟正黑體" pitchFamily="34" charset="-120"/>
             </a:endParaRPr>
           </a:p>
-          <a:p>
-            <a:pPr algn="ctr">
-              <a:buNone/>
-            </a:pPr>
-            <a:r>
-              <a:rPr lang="zh-TW" altLang="en-US" sz="5400" b="1" dirty="0">
-                <a:solidFill>
-                  <a:srgbClr val="000066"/>
-                </a:solidFill>
-                <a:latin typeface="微軟正黑體" pitchFamily="34" charset="-120"/>
-                <a:ea typeface="微軟正黑體" pitchFamily="34" charset="-120"/>
-              </a:rPr>
-              <a:t>真快樂  主除了我罪污</a:t>
-            </a:r>
-          </a:p>
-          <a:p>
-            <a:pPr algn="ctr">
-              <a:buNone/>
-            </a:pPr>
-            <a:r>
-              <a:rPr lang="zh-TW" altLang="en-US" sz="5400" b="1" dirty="0">
-                <a:solidFill>
-                  <a:srgbClr val="000066"/>
-                </a:solidFill>
-                <a:latin typeface="微軟正黑體" pitchFamily="34" charset="-120"/>
-                <a:ea typeface="微軟正黑體" pitchFamily="34" charset="-120"/>
-              </a:rPr>
-              <a:t>主除了我罪污</a:t>
-            </a:r>
-            <a:endParaRPr lang="zh-TW" altLang="en-US" sz="5400" b="1" dirty="0">
-              <a:solidFill>
-                <a:srgbClr val="000066"/>
-              </a:solidFill>
-              <a:latin typeface="微軟正黑體" pitchFamily="34" charset="-120"/>
-              <a:ea typeface="微軟正黑體" pitchFamily="34" charset="-120"/>
-            </a:endParaRPr>
-          </a:p>
         </p:txBody>
       </p:sp>
     </p:spTree>
+    <p:extLst>
+      <p:ext uri="{BB962C8B-B14F-4D97-AF65-F5344CB8AC3E}">
+        <p14:creationId xmlns:p14="http://schemas.microsoft.com/office/powerpoint/2010/main" val="2340355355"/>
+      </p:ext>
+    </p:extLst>
   </p:cSld>
   <p:clrMapOvr>
     <a:masterClrMapping/>
   </p:clrMapOvr>
+  <p:timing>
+    <p:tnLst>
+      <p:par>
+        <p:cTn id="1" dur="indefinite" restart="never" nodeType="tmRoot"/>
+      </p:par>
+    </p:tnLst>
+  </p:timing>
 </p:sld>
 </file>
 

--- a/宣道詩/(宣道詩41)主除了我罪污.pptx
+++ b/宣道詩/(宣道詩41)主除了我罪污.pptx
@@ -321,7 +321,7 @@
             <a:fld id="{1A769E83-1B29-49CE-AA64-0CA30BAC09D0}" type="datetimeFigureOut">
               <a:rPr lang="zh-TW" altLang="en-US" smtClean="0"/>
               <a:pPr/>
-              <a:t>2021/2/4</a:t>
+              <a:t>2023/1/6</a:t>
             </a:fld>
             <a:endParaRPr lang="zh-TW" altLang="en-US"/>
           </a:p>
@@ -488,7 +488,7 @@
             <a:fld id="{1A769E83-1B29-49CE-AA64-0CA30BAC09D0}" type="datetimeFigureOut">
               <a:rPr lang="zh-TW" altLang="en-US" smtClean="0"/>
               <a:pPr/>
-              <a:t>2021/2/4</a:t>
+              <a:t>2023/1/6</a:t>
             </a:fld>
             <a:endParaRPr lang="zh-TW" altLang="en-US"/>
           </a:p>
@@ -665,7 +665,7 @@
             <a:fld id="{1A769E83-1B29-49CE-AA64-0CA30BAC09D0}" type="datetimeFigureOut">
               <a:rPr lang="zh-TW" altLang="en-US" smtClean="0"/>
               <a:pPr/>
-              <a:t>2021/2/4</a:t>
+              <a:t>2023/1/6</a:t>
             </a:fld>
             <a:endParaRPr lang="zh-TW" altLang="en-US"/>
           </a:p>
@@ -832,7 +832,7 @@
             <a:fld id="{1A769E83-1B29-49CE-AA64-0CA30BAC09D0}" type="datetimeFigureOut">
               <a:rPr lang="zh-TW" altLang="en-US" smtClean="0"/>
               <a:pPr/>
-              <a:t>2021/2/4</a:t>
+              <a:t>2023/1/6</a:t>
             </a:fld>
             <a:endParaRPr lang="zh-TW" altLang="en-US"/>
           </a:p>
@@ -1075,7 +1075,7 @@
             <a:fld id="{1A769E83-1B29-49CE-AA64-0CA30BAC09D0}" type="datetimeFigureOut">
               <a:rPr lang="zh-TW" altLang="en-US" smtClean="0"/>
               <a:pPr/>
-              <a:t>2021/2/4</a:t>
+              <a:t>2023/1/6</a:t>
             </a:fld>
             <a:endParaRPr lang="zh-TW" altLang="en-US"/>
           </a:p>
@@ -1360,7 +1360,7 @@
             <a:fld id="{1A769E83-1B29-49CE-AA64-0CA30BAC09D0}" type="datetimeFigureOut">
               <a:rPr lang="zh-TW" altLang="en-US" smtClean="0"/>
               <a:pPr/>
-              <a:t>2021/2/4</a:t>
+              <a:t>2023/1/6</a:t>
             </a:fld>
             <a:endParaRPr lang="zh-TW" altLang="en-US"/>
           </a:p>
@@ -1779,7 +1779,7 @@
             <a:fld id="{1A769E83-1B29-49CE-AA64-0CA30BAC09D0}" type="datetimeFigureOut">
               <a:rPr lang="zh-TW" altLang="en-US" smtClean="0"/>
               <a:pPr/>
-              <a:t>2021/2/4</a:t>
+              <a:t>2023/1/6</a:t>
             </a:fld>
             <a:endParaRPr lang="zh-TW" altLang="en-US"/>
           </a:p>
@@ -1894,7 +1894,7 @@
             <a:fld id="{1A769E83-1B29-49CE-AA64-0CA30BAC09D0}" type="datetimeFigureOut">
               <a:rPr lang="zh-TW" altLang="en-US" smtClean="0"/>
               <a:pPr/>
-              <a:t>2021/2/4</a:t>
+              <a:t>2023/1/6</a:t>
             </a:fld>
             <a:endParaRPr lang="zh-TW" altLang="en-US"/>
           </a:p>
@@ -1986,7 +1986,7 @@
             <a:fld id="{1A769E83-1B29-49CE-AA64-0CA30BAC09D0}" type="datetimeFigureOut">
               <a:rPr lang="zh-TW" altLang="en-US" smtClean="0"/>
               <a:pPr/>
-              <a:t>2021/2/4</a:t>
+              <a:t>2023/1/6</a:t>
             </a:fld>
             <a:endParaRPr lang="zh-TW" altLang="en-US"/>
           </a:p>
@@ -2260,7 +2260,7 @@
             <a:fld id="{1A769E83-1B29-49CE-AA64-0CA30BAC09D0}" type="datetimeFigureOut">
               <a:rPr lang="zh-TW" altLang="en-US" smtClean="0"/>
               <a:pPr/>
-              <a:t>2021/2/4</a:t>
+              <a:t>2023/1/6</a:t>
             </a:fld>
             <a:endParaRPr lang="zh-TW" altLang="en-US"/>
           </a:p>
@@ -2514,7 +2514,7 @@
             <a:fld id="{1A769E83-1B29-49CE-AA64-0CA30BAC09D0}" type="datetimeFigureOut">
               <a:rPr lang="zh-TW" altLang="en-US" smtClean="0"/>
               <a:pPr/>
-              <a:t>2021/2/4</a:t>
+              <a:t>2023/1/6</a:t>
             </a:fld>
             <a:endParaRPr lang="zh-TW" altLang="en-US"/>
           </a:p>
@@ -2729,7 +2729,7 @@
             <a:fld id="{1A769E83-1B29-49CE-AA64-0CA30BAC09D0}" type="datetimeFigureOut">
               <a:rPr lang="zh-TW" altLang="en-US" smtClean="0"/>
               <a:pPr/>
-              <a:t>2021/2/4</a:t>
+              <a:t>2023/1/6</a:t>
             </a:fld>
             <a:endParaRPr lang="zh-TW" altLang="en-US"/>
           </a:p>
@@ -3204,24 +3204,7 @@
                 <a:latin typeface="微軟正黑體" pitchFamily="34" charset="-120"/>
                 <a:ea typeface="微軟正黑體" pitchFamily="34" charset="-120"/>
               </a:rPr>
-              <a:t>主</a:t>
-            </a:r>
-            <a:r>
-              <a:rPr lang="zh-TW" altLang="en-US" sz="8000" b="1" dirty="0">
-                <a:solidFill>
-                  <a:srgbClr val="660033"/>
-                </a:solidFill>
-                <a:effectLst>
-                  <a:outerShdw blurRad="38100" dist="38100" dir="2700000" algn="tl">
-                    <a:srgbClr val="000000">
-                      <a:alpha val="43137"/>
-                    </a:srgbClr>
-                  </a:outerShdw>
-                </a:effectLst>
-                <a:latin typeface="微軟正黑體" pitchFamily="34" charset="-120"/>
-                <a:ea typeface="微軟正黑體" pitchFamily="34" charset="-120"/>
-              </a:rPr>
-              <a:t>除了我罪污</a:t>
+              <a:t>主除了我罪污</a:t>
             </a:r>
           </a:p>
         </p:txBody>
@@ -3313,13 +3296,6 @@
               </a:rPr>
               <a:t>主除了我罪污  主除了我罪污</a:t>
             </a:r>
-            <a:endParaRPr lang="zh-TW" altLang="en-US" sz="6400" b="1" dirty="0">
-              <a:solidFill>
-                <a:srgbClr val="660033"/>
-              </a:solidFill>
-              <a:latin typeface="微軟正黑體" pitchFamily="34" charset="-120"/>
-              <a:ea typeface="微軟正黑體" pitchFamily="34" charset="-120"/>
-            </a:endParaRPr>
           </a:p>
         </p:txBody>
       </p:sp>
@@ -3332,7 +3308,7 @@
         <p:spPr>
           <a:xfrm>
             <a:off x="0" y="5349214"/>
-            <a:ext cx="12192000" cy="830997"/>
+            <a:ext cx="12192000" cy="707886"/>
           </a:xfrm>
           <a:prstGeom prst="rect">
             <a:avLst/>
@@ -3347,14 +3323,30 @@
           <a:p>
             <a:pPr algn="ctr"/>
             <a:r>
-              <a:rPr lang="en-US" sz="4800" b="1" dirty="0">
-                <a:solidFill>
-                  <a:srgbClr val="660033"/>
-                </a:solidFill>
-              </a:rPr>
-              <a:t>( 3 )</a:t>
-            </a:r>
-            <a:endParaRPr lang="vi-VN" sz="4800" b="1" dirty="0">
+              <a:rPr lang="en-US" sz="4000" b="1" dirty="0">
+                <a:solidFill>
+                  <a:srgbClr val="660033"/>
+                </a:solidFill>
+              </a:rPr>
+              <a:t>( </a:t>
+            </a:r>
+            <a:r>
+              <a:rPr lang="en-US" sz="4000" b="1" dirty="0">
+                <a:solidFill>
+                  <a:srgbClr val="660033"/>
+                </a:solidFill>
+              </a:rPr>
+              <a:t>3 </a:t>
+            </a:r>
+            <a:r>
+              <a:rPr lang="en-US" sz="4000" b="1" dirty="0">
+                <a:solidFill>
+                  <a:srgbClr val="660033"/>
+                </a:solidFill>
+              </a:rPr>
+              <a:t>/ 4 )</a:t>
+            </a:r>
+            <a:endParaRPr lang="vi-VN" sz="4000" b="1" dirty="0">
               <a:solidFill>
                 <a:srgbClr val="660033"/>
               </a:solidFill>
@@ -3449,13 +3441,6 @@
               </a:rPr>
               <a:t>主除了我罪污</a:t>
             </a:r>
-            <a:endParaRPr lang="zh-TW" altLang="en-US" sz="6400" b="1" dirty="0">
-              <a:solidFill>
-                <a:srgbClr val="660033"/>
-              </a:solidFill>
-              <a:latin typeface="微軟正黑體" pitchFamily="34" charset="-120"/>
-              <a:ea typeface="微軟正黑體" pitchFamily="34" charset="-120"/>
-            </a:endParaRPr>
           </a:p>
         </p:txBody>
       </p:sp>
@@ -3468,7 +3453,7 @@
         <p:spPr>
           <a:xfrm>
             <a:off x="0" y="5349214"/>
-            <a:ext cx="12192000" cy="830997"/>
+            <a:ext cx="12192000" cy="707886"/>
           </a:xfrm>
           <a:prstGeom prst="rect">
             <a:avLst/>
@@ -3483,14 +3468,14 @@
           <a:p>
             <a:pPr algn="ctr"/>
             <a:r>
-              <a:rPr lang="en-US" sz="4800" b="1" dirty="0">
-                <a:solidFill>
-                  <a:srgbClr val="660033"/>
-                </a:solidFill>
-              </a:rPr>
-              <a:t>( 3 )</a:t>
-            </a:r>
-            <a:endParaRPr lang="vi-VN" sz="4800" b="1" dirty="0">
+              <a:rPr lang="en-US" sz="4000" b="1" dirty="0">
+                <a:solidFill>
+                  <a:srgbClr val="660033"/>
+                </a:solidFill>
+              </a:rPr>
+              <a:t>( 3 / 4 )</a:t>
+            </a:r>
+            <a:endParaRPr lang="vi-VN" sz="4000" b="1" dirty="0">
               <a:solidFill>
                 <a:srgbClr val="660033"/>
               </a:solidFill>
@@ -3692,13 +3677,6 @@
               </a:rPr>
               <a:t>主除了我罪污</a:t>
             </a:r>
-            <a:endParaRPr lang="zh-TW" altLang="en-US" sz="6400" b="1" dirty="0">
-              <a:solidFill>
-                <a:srgbClr val="660033"/>
-              </a:solidFill>
-              <a:latin typeface="微軟正黑體" pitchFamily="34" charset="-120"/>
-              <a:ea typeface="微軟正黑體" pitchFamily="34" charset="-120"/>
-            </a:endParaRPr>
           </a:p>
         </p:txBody>
       </p:sp>
@@ -3801,7 +3779,7 @@
         <p:spPr>
           <a:xfrm>
             <a:off x="0" y="5349214"/>
-            <a:ext cx="12192000" cy="830997"/>
+            <a:ext cx="12192000" cy="707886"/>
           </a:xfrm>
           <a:prstGeom prst="rect">
             <a:avLst/>
@@ -3816,14 +3794,30 @@
           <a:p>
             <a:pPr algn="ctr"/>
             <a:r>
-              <a:rPr lang="en-US" sz="4800" b="1" dirty="0">
-                <a:solidFill>
-                  <a:srgbClr val="660033"/>
-                </a:solidFill>
-              </a:rPr>
-              <a:t>( 4 )</a:t>
-            </a:r>
-            <a:endParaRPr lang="vi-VN" sz="4800" b="1" dirty="0">
+              <a:rPr lang="en-US" sz="4000" b="1" dirty="0">
+                <a:solidFill>
+                  <a:srgbClr val="660033"/>
+                </a:solidFill>
+              </a:rPr>
+              <a:t>( </a:t>
+            </a:r>
+            <a:r>
+              <a:rPr lang="en-US" sz="4000" b="1" dirty="0">
+                <a:solidFill>
+                  <a:srgbClr val="660033"/>
+                </a:solidFill>
+              </a:rPr>
+              <a:t>4 </a:t>
+            </a:r>
+            <a:r>
+              <a:rPr lang="en-US" sz="4000" b="1" dirty="0">
+                <a:solidFill>
+                  <a:srgbClr val="660033"/>
+                </a:solidFill>
+              </a:rPr>
+              <a:t>/ 4 )</a:t>
+            </a:r>
+            <a:endParaRPr lang="vi-VN" sz="4000" b="1" dirty="0">
               <a:solidFill>
                 <a:srgbClr val="660033"/>
               </a:solidFill>
@@ -3918,13 +3912,6 @@
               </a:rPr>
               <a:t>主能除你罪污</a:t>
             </a:r>
-            <a:endParaRPr lang="zh-TW" altLang="en-US" sz="6400" b="1" dirty="0">
-              <a:solidFill>
-                <a:srgbClr val="660033"/>
-              </a:solidFill>
-              <a:latin typeface="微軟正黑體" pitchFamily="34" charset="-120"/>
-              <a:ea typeface="微軟正黑體" pitchFamily="34" charset="-120"/>
-            </a:endParaRPr>
           </a:p>
         </p:txBody>
       </p:sp>
@@ -3937,7 +3924,7 @@
         <p:spPr>
           <a:xfrm>
             <a:off x="0" y="5349214"/>
-            <a:ext cx="12192000" cy="830997"/>
+            <a:ext cx="12192000" cy="707886"/>
           </a:xfrm>
           <a:prstGeom prst="rect">
             <a:avLst/>
@@ -3952,14 +3939,14 @@
           <a:p>
             <a:pPr algn="ctr"/>
             <a:r>
-              <a:rPr lang="en-US" sz="4800" b="1" dirty="0">
-                <a:solidFill>
-                  <a:srgbClr val="660033"/>
-                </a:solidFill>
-              </a:rPr>
-              <a:t>( 4 )</a:t>
-            </a:r>
-            <a:endParaRPr lang="vi-VN" sz="4800" b="1" dirty="0">
+              <a:rPr lang="en-US" sz="4000" b="1" dirty="0">
+                <a:solidFill>
+                  <a:srgbClr val="660033"/>
+                </a:solidFill>
+              </a:rPr>
+              <a:t>( 4 / 4 )</a:t>
+            </a:r>
+            <a:endParaRPr lang="vi-VN" sz="4000" b="1" dirty="0">
               <a:solidFill>
                 <a:srgbClr val="660033"/>
               </a:solidFill>
@@ -4161,13 +4148,6 @@
               </a:rPr>
               <a:t>主除了我罪污</a:t>
             </a:r>
-            <a:endParaRPr lang="zh-TW" altLang="en-US" sz="6400" b="1" dirty="0">
-              <a:solidFill>
-                <a:srgbClr val="660033"/>
-              </a:solidFill>
-              <a:latin typeface="微軟正黑體" pitchFamily="34" charset="-120"/>
-              <a:ea typeface="微軟正黑體" pitchFamily="34" charset="-120"/>
-            </a:endParaRPr>
           </a:p>
         </p:txBody>
       </p:sp>
@@ -4258,13 +4238,6 @@
               </a:rPr>
               <a:t>主除了我罪污  主除了我罪污</a:t>
             </a:r>
-            <a:endParaRPr lang="zh-TW" altLang="en-US" sz="6400" b="1" dirty="0">
-              <a:solidFill>
-                <a:srgbClr val="660033"/>
-              </a:solidFill>
-              <a:latin typeface="微軟正黑體" pitchFamily="34" charset="-120"/>
-              <a:ea typeface="微軟正黑體" pitchFamily="34" charset="-120"/>
-            </a:endParaRPr>
           </a:p>
         </p:txBody>
       </p:sp>
@@ -4277,7 +4250,7 @@
         <p:spPr>
           <a:xfrm>
             <a:off x="0" y="5349214"/>
-            <a:ext cx="12192000" cy="830997"/>
+            <a:ext cx="12192000" cy="707886"/>
           </a:xfrm>
           <a:prstGeom prst="rect">
             <a:avLst/>
@@ -4292,14 +4265,30 @@
           <a:p>
             <a:pPr algn="ctr"/>
             <a:r>
-              <a:rPr lang="en-US" sz="4800" b="1" dirty="0">
-                <a:solidFill>
-                  <a:srgbClr val="660033"/>
-                </a:solidFill>
-              </a:rPr>
-              <a:t>( 1 )</a:t>
-            </a:r>
-            <a:endParaRPr lang="vi-VN" sz="4800" b="1" dirty="0">
+              <a:rPr lang="en-US" sz="4000" b="1" dirty="0">
+                <a:solidFill>
+                  <a:srgbClr val="660033"/>
+                </a:solidFill>
+              </a:rPr>
+              <a:t>( </a:t>
+            </a:r>
+            <a:r>
+              <a:rPr lang="en-US" sz="4000" b="1" dirty="0" smtClean="0">
+                <a:solidFill>
+                  <a:srgbClr val="660033"/>
+                </a:solidFill>
+              </a:rPr>
+              <a:t>1 / 4 </a:t>
+            </a:r>
+            <a:r>
+              <a:rPr lang="en-US" sz="4000" b="1" dirty="0">
+                <a:solidFill>
+                  <a:srgbClr val="660033"/>
+                </a:solidFill>
+              </a:rPr>
+              <a:t>)</a:t>
+            </a:r>
+            <a:endParaRPr lang="vi-VN" sz="4000" b="1" dirty="0">
               <a:solidFill>
                 <a:srgbClr val="660033"/>
               </a:solidFill>
@@ -4394,13 +4383,6 @@
               </a:rPr>
               <a:t>主除了我罪污</a:t>
             </a:r>
-            <a:endParaRPr lang="zh-TW" altLang="en-US" sz="6400" b="1" dirty="0">
-              <a:solidFill>
-                <a:srgbClr val="660033"/>
-              </a:solidFill>
-              <a:latin typeface="微軟正黑體" pitchFamily="34" charset="-120"/>
-              <a:ea typeface="微軟正黑體" pitchFamily="34" charset="-120"/>
-            </a:endParaRPr>
           </a:p>
         </p:txBody>
       </p:sp>
@@ -4413,7 +4395,7 @@
         <p:spPr>
           <a:xfrm>
             <a:off x="0" y="5349214"/>
-            <a:ext cx="12192000" cy="830997"/>
+            <a:ext cx="12192000" cy="707886"/>
           </a:xfrm>
           <a:prstGeom prst="rect">
             <a:avLst/>
@@ -4428,14 +4410,14 @@
           <a:p>
             <a:pPr algn="ctr"/>
             <a:r>
-              <a:rPr lang="en-US" sz="4800" b="1" dirty="0">
-                <a:solidFill>
-                  <a:srgbClr val="660033"/>
-                </a:solidFill>
-              </a:rPr>
-              <a:t>( 1 )</a:t>
-            </a:r>
-            <a:endParaRPr lang="vi-VN" sz="4800" b="1" dirty="0">
+              <a:rPr lang="en-US" sz="4000" b="1" dirty="0">
+                <a:solidFill>
+                  <a:srgbClr val="660033"/>
+                </a:solidFill>
+              </a:rPr>
+              <a:t>( 1 / 4 )</a:t>
+            </a:r>
+            <a:endParaRPr lang="vi-VN" sz="4000" b="1" dirty="0">
               <a:solidFill>
                 <a:srgbClr val="660033"/>
               </a:solidFill>
@@ -4637,13 +4619,6 @@
               </a:rPr>
               <a:t>主除了我罪污</a:t>
             </a:r>
-            <a:endParaRPr lang="zh-TW" altLang="en-US" sz="6400" b="1" dirty="0">
-              <a:solidFill>
-                <a:srgbClr val="660033"/>
-              </a:solidFill>
-              <a:latin typeface="微軟正黑體" pitchFamily="34" charset="-120"/>
-              <a:ea typeface="微軟正黑體" pitchFamily="34" charset="-120"/>
-            </a:endParaRPr>
           </a:p>
         </p:txBody>
       </p:sp>
@@ -4754,13 +4729,6 @@
               </a:rPr>
               <a:t>主除了我罪污  主除了我罪污</a:t>
             </a:r>
-            <a:endParaRPr lang="zh-TW" altLang="en-US" sz="6400" b="1" dirty="0">
-              <a:solidFill>
-                <a:srgbClr val="660033"/>
-              </a:solidFill>
-              <a:latin typeface="微軟正黑體" pitchFamily="34" charset="-120"/>
-              <a:ea typeface="微軟正黑體" pitchFamily="34" charset="-120"/>
-            </a:endParaRPr>
           </a:p>
         </p:txBody>
       </p:sp>
@@ -4773,7 +4741,7 @@
         <p:spPr>
           <a:xfrm>
             <a:off x="0" y="5349214"/>
-            <a:ext cx="12192000" cy="830997"/>
+            <a:ext cx="12192000" cy="707886"/>
           </a:xfrm>
           <a:prstGeom prst="rect">
             <a:avLst/>
@@ -4788,14 +4756,30 @@
           <a:p>
             <a:pPr algn="ctr"/>
             <a:r>
-              <a:rPr lang="en-US" sz="4800" b="1" dirty="0">
-                <a:solidFill>
-                  <a:srgbClr val="660033"/>
-                </a:solidFill>
-              </a:rPr>
-              <a:t>( 2 )</a:t>
-            </a:r>
-            <a:endParaRPr lang="vi-VN" sz="4800" b="1" dirty="0">
+              <a:rPr lang="en-US" sz="4000" b="1" dirty="0">
+                <a:solidFill>
+                  <a:srgbClr val="660033"/>
+                </a:solidFill>
+              </a:rPr>
+              <a:t>( </a:t>
+            </a:r>
+            <a:r>
+              <a:rPr lang="en-US" sz="4000" b="1" dirty="0">
+                <a:solidFill>
+                  <a:srgbClr val="660033"/>
+                </a:solidFill>
+              </a:rPr>
+              <a:t>2 </a:t>
+            </a:r>
+            <a:r>
+              <a:rPr lang="en-US" sz="4000" b="1" dirty="0">
+                <a:solidFill>
+                  <a:srgbClr val="660033"/>
+                </a:solidFill>
+              </a:rPr>
+              <a:t>/ 4 )</a:t>
+            </a:r>
+            <a:endParaRPr lang="vi-VN" sz="4000" b="1" dirty="0">
               <a:solidFill>
                 <a:srgbClr val="660033"/>
               </a:solidFill>
@@ -4890,13 +4874,6 @@
               </a:rPr>
               <a:t>主除了我罪污</a:t>
             </a:r>
-            <a:endParaRPr lang="zh-TW" altLang="en-US" sz="6400" b="1" dirty="0">
-              <a:solidFill>
-                <a:srgbClr val="660033"/>
-              </a:solidFill>
-              <a:latin typeface="微軟正黑體" pitchFamily="34" charset="-120"/>
-              <a:ea typeface="微軟正黑體" pitchFamily="34" charset="-120"/>
-            </a:endParaRPr>
           </a:p>
         </p:txBody>
       </p:sp>
@@ -4909,7 +4886,7 @@
         <p:spPr>
           <a:xfrm>
             <a:off x="0" y="5349214"/>
-            <a:ext cx="12192000" cy="830997"/>
+            <a:ext cx="12192000" cy="707886"/>
           </a:xfrm>
           <a:prstGeom prst="rect">
             <a:avLst/>
@@ -4924,14 +4901,14 @@
           <a:p>
             <a:pPr algn="ctr"/>
             <a:r>
-              <a:rPr lang="en-US" sz="4800" b="1" dirty="0">
-                <a:solidFill>
-                  <a:srgbClr val="660033"/>
-                </a:solidFill>
-              </a:rPr>
-              <a:t>( 2 )</a:t>
-            </a:r>
-            <a:endParaRPr lang="vi-VN" sz="4800" b="1" dirty="0">
+              <a:rPr lang="en-US" sz="4000" b="1" dirty="0">
+                <a:solidFill>
+                  <a:srgbClr val="660033"/>
+                </a:solidFill>
+              </a:rPr>
+              <a:t>( 2 / 4 )</a:t>
+            </a:r>
+            <a:endParaRPr lang="vi-VN" sz="4000" b="1" dirty="0">
               <a:solidFill>
                 <a:srgbClr val="660033"/>
               </a:solidFill>
@@ -5133,13 +5110,6 @@
               </a:rPr>
               <a:t>主除了我罪污</a:t>
             </a:r>
-            <a:endParaRPr lang="zh-TW" altLang="en-US" sz="6400" b="1" dirty="0">
-              <a:solidFill>
-                <a:srgbClr val="660033"/>
-              </a:solidFill>
-              <a:latin typeface="微軟正黑體" pitchFamily="34" charset="-120"/>
-              <a:ea typeface="微軟正黑體" pitchFamily="34" charset="-120"/>
-            </a:endParaRPr>
           </a:p>
         </p:txBody>
       </p:sp>

--- a/宣道詩/(宣道詩41)主除了我罪污.pptx
+++ b/宣道詩/(宣道詩41)主除了我罪污.pptx
@@ -122,7 +122,7 @@
   </p:defaultTextStyle>
   <p:extLst>
     <p:ext uri="{EFAFB233-063F-42B5-8137-9DF3F51BA10A}">
-      <p15:sldGuideLst xmlns:p15="http://schemas.microsoft.com/office/powerpoint/2012/main">
+      <p15:sldGuideLst xmlns:p15="http://schemas.microsoft.com/office/powerpoint/2012/main" xmlns="">
         <p15:guide id="1" orient="horz" pos="2160" userDrawn="1">
           <p15:clr>
             <a:srgbClr val="A4A3A4"/>
@@ -321,7 +321,7 @@
             <a:fld id="{1A769E83-1B29-49CE-AA64-0CA30BAC09D0}" type="datetimeFigureOut">
               <a:rPr lang="zh-TW" altLang="en-US" smtClean="0"/>
               <a:pPr/>
-              <a:t>2021/2/4</a:t>
+              <a:t>2023/1/10</a:t>
             </a:fld>
             <a:endParaRPr lang="zh-TW" altLang="en-US"/>
           </a:p>
@@ -488,7 +488,7 @@
             <a:fld id="{1A769E83-1B29-49CE-AA64-0CA30BAC09D0}" type="datetimeFigureOut">
               <a:rPr lang="zh-TW" altLang="en-US" smtClean="0"/>
               <a:pPr/>
-              <a:t>2021/2/4</a:t>
+              <a:t>2023/1/10</a:t>
             </a:fld>
             <a:endParaRPr lang="zh-TW" altLang="en-US"/>
           </a:p>
@@ -665,7 +665,7 @@
             <a:fld id="{1A769E83-1B29-49CE-AA64-0CA30BAC09D0}" type="datetimeFigureOut">
               <a:rPr lang="zh-TW" altLang="en-US" smtClean="0"/>
               <a:pPr/>
-              <a:t>2021/2/4</a:t>
+              <a:t>2023/1/10</a:t>
             </a:fld>
             <a:endParaRPr lang="zh-TW" altLang="en-US"/>
           </a:p>
@@ -832,7 +832,7 @@
             <a:fld id="{1A769E83-1B29-49CE-AA64-0CA30BAC09D0}" type="datetimeFigureOut">
               <a:rPr lang="zh-TW" altLang="en-US" smtClean="0"/>
               <a:pPr/>
-              <a:t>2021/2/4</a:t>
+              <a:t>2023/1/10</a:t>
             </a:fld>
             <a:endParaRPr lang="zh-TW" altLang="en-US"/>
           </a:p>
@@ -1075,7 +1075,7 @@
             <a:fld id="{1A769E83-1B29-49CE-AA64-0CA30BAC09D0}" type="datetimeFigureOut">
               <a:rPr lang="zh-TW" altLang="en-US" smtClean="0"/>
               <a:pPr/>
-              <a:t>2021/2/4</a:t>
+              <a:t>2023/1/10</a:t>
             </a:fld>
             <a:endParaRPr lang="zh-TW" altLang="en-US"/>
           </a:p>
@@ -1360,7 +1360,7 @@
             <a:fld id="{1A769E83-1B29-49CE-AA64-0CA30BAC09D0}" type="datetimeFigureOut">
               <a:rPr lang="zh-TW" altLang="en-US" smtClean="0"/>
               <a:pPr/>
-              <a:t>2021/2/4</a:t>
+              <a:t>2023/1/10</a:t>
             </a:fld>
             <a:endParaRPr lang="zh-TW" altLang="en-US"/>
           </a:p>
@@ -1779,7 +1779,7 @@
             <a:fld id="{1A769E83-1B29-49CE-AA64-0CA30BAC09D0}" type="datetimeFigureOut">
               <a:rPr lang="zh-TW" altLang="en-US" smtClean="0"/>
               <a:pPr/>
-              <a:t>2021/2/4</a:t>
+              <a:t>2023/1/10</a:t>
             </a:fld>
             <a:endParaRPr lang="zh-TW" altLang="en-US"/>
           </a:p>
@@ -1894,7 +1894,7 @@
             <a:fld id="{1A769E83-1B29-49CE-AA64-0CA30BAC09D0}" type="datetimeFigureOut">
               <a:rPr lang="zh-TW" altLang="en-US" smtClean="0"/>
               <a:pPr/>
-              <a:t>2021/2/4</a:t>
+              <a:t>2023/1/10</a:t>
             </a:fld>
             <a:endParaRPr lang="zh-TW" altLang="en-US"/>
           </a:p>
@@ -1986,7 +1986,7 @@
             <a:fld id="{1A769E83-1B29-49CE-AA64-0CA30BAC09D0}" type="datetimeFigureOut">
               <a:rPr lang="zh-TW" altLang="en-US" smtClean="0"/>
               <a:pPr/>
-              <a:t>2021/2/4</a:t>
+              <a:t>2023/1/10</a:t>
             </a:fld>
             <a:endParaRPr lang="zh-TW" altLang="en-US"/>
           </a:p>
@@ -2260,7 +2260,7 @@
             <a:fld id="{1A769E83-1B29-49CE-AA64-0CA30BAC09D0}" type="datetimeFigureOut">
               <a:rPr lang="zh-TW" altLang="en-US" smtClean="0"/>
               <a:pPr/>
-              <a:t>2021/2/4</a:t>
+              <a:t>2023/1/10</a:t>
             </a:fld>
             <a:endParaRPr lang="zh-TW" altLang="en-US"/>
           </a:p>
@@ -2514,7 +2514,7 @@
             <a:fld id="{1A769E83-1B29-49CE-AA64-0CA30BAC09D0}" type="datetimeFigureOut">
               <a:rPr lang="zh-TW" altLang="en-US" smtClean="0"/>
               <a:pPr/>
-              <a:t>2021/2/4</a:t>
+              <a:t>2023/1/10</a:t>
             </a:fld>
             <a:endParaRPr lang="zh-TW" altLang="en-US"/>
           </a:p>
@@ -2729,7 +2729,7 @@
             <a:fld id="{1A769E83-1B29-49CE-AA64-0CA30BAC09D0}" type="datetimeFigureOut">
               <a:rPr lang="zh-TW" altLang="en-US" smtClean="0"/>
               <a:pPr/>
-              <a:t>2021/2/4</a:t>
+              <a:t>2023/1/10</a:t>
             </a:fld>
             <a:endParaRPr lang="zh-TW" altLang="en-US"/>
           </a:p>
@@ -3204,24 +3204,7 @@
                 <a:latin typeface="微軟正黑體" pitchFamily="34" charset="-120"/>
                 <a:ea typeface="微軟正黑體" pitchFamily="34" charset="-120"/>
               </a:rPr>
-              <a:t>主</a:t>
-            </a:r>
-            <a:r>
-              <a:rPr lang="zh-TW" altLang="en-US" sz="8000" b="1" dirty="0">
-                <a:solidFill>
-                  <a:srgbClr val="660033"/>
-                </a:solidFill>
-                <a:effectLst>
-                  <a:outerShdw blurRad="38100" dist="38100" dir="2700000" algn="tl">
-                    <a:srgbClr val="000000">
-                      <a:alpha val="43137"/>
-                    </a:srgbClr>
-                  </a:outerShdw>
-                </a:effectLst>
-                <a:latin typeface="微軟正黑體" pitchFamily="34" charset="-120"/>
-                <a:ea typeface="微軟正黑體" pitchFamily="34" charset="-120"/>
-              </a:rPr>
-              <a:t>除了我罪污</a:t>
+              <a:t>主除了我罪污</a:t>
             </a:r>
           </a:p>
         </p:txBody>
@@ -3229,7 +3212,7 @@
     </p:spTree>
     <p:extLst>
       <p:ext uri="{BB962C8B-B14F-4D97-AF65-F5344CB8AC3E}">
-        <p14:creationId xmlns:p14="http://schemas.microsoft.com/office/powerpoint/2010/main" val="4195152716"/>
+        <p14:creationId xmlns:p14="http://schemas.microsoft.com/office/powerpoint/2010/main" xmlns="" val="4195152716"/>
       </p:ext>
     </p:extLst>
   </p:cSld>
@@ -3313,13 +3296,6 @@
               </a:rPr>
               <a:t>主除了我罪污  主除了我罪污</a:t>
             </a:r>
-            <a:endParaRPr lang="zh-TW" altLang="en-US" sz="6400" b="1" dirty="0">
-              <a:solidFill>
-                <a:srgbClr val="660033"/>
-              </a:solidFill>
-              <a:latin typeface="微軟正黑體" pitchFamily="34" charset="-120"/>
-              <a:ea typeface="微軟正黑體" pitchFamily="34" charset="-120"/>
-            </a:endParaRPr>
           </a:p>
         </p:txBody>
       </p:sp>
@@ -3365,7 +3341,7 @@
     </p:spTree>
     <p:extLst>
       <p:ext uri="{BB962C8B-B14F-4D97-AF65-F5344CB8AC3E}">
-        <p14:creationId xmlns:p14="http://schemas.microsoft.com/office/powerpoint/2010/main" val="1580130658"/>
+        <p14:creationId xmlns:p14="http://schemas.microsoft.com/office/powerpoint/2010/main" xmlns="" val="1580130658"/>
       </p:ext>
     </p:extLst>
   </p:cSld>
@@ -3449,13 +3425,6 @@
               </a:rPr>
               <a:t>主除了我罪污</a:t>
             </a:r>
-            <a:endParaRPr lang="zh-TW" altLang="en-US" sz="6400" b="1" dirty="0">
-              <a:solidFill>
-                <a:srgbClr val="660033"/>
-              </a:solidFill>
-              <a:latin typeface="微軟正黑體" pitchFamily="34" charset="-120"/>
-              <a:ea typeface="微軟正黑體" pitchFamily="34" charset="-120"/>
-            </a:endParaRPr>
           </a:p>
         </p:txBody>
       </p:sp>
@@ -3501,7 +3470,7 @@
     </p:spTree>
     <p:extLst>
       <p:ext uri="{BB962C8B-B14F-4D97-AF65-F5344CB8AC3E}">
-        <p14:creationId xmlns:p14="http://schemas.microsoft.com/office/powerpoint/2010/main" val="1316155453"/>
+        <p14:creationId xmlns:p14="http://schemas.microsoft.com/office/powerpoint/2010/main" xmlns="" val="1316155453"/>
       </p:ext>
     </p:extLst>
   </p:cSld>
@@ -3608,7 +3577,7 @@
     </p:spTree>
     <p:extLst>
       <p:ext uri="{BB962C8B-B14F-4D97-AF65-F5344CB8AC3E}">
-        <p14:creationId xmlns:p14="http://schemas.microsoft.com/office/powerpoint/2010/main" val="3332256834"/>
+        <p14:creationId xmlns:p14="http://schemas.microsoft.com/office/powerpoint/2010/main" xmlns="" val="3332256834"/>
       </p:ext>
     </p:extLst>
   </p:cSld>
@@ -3692,20 +3661,13 @@
               </a:rPr>
               <a:t>主除了我罪污</a:t>
             </a:r>
-            <a:endParaRPr lang="zh-TW" altLang="en-US" sz="6400" b="1" dirty="0">
-              <a:solidFill>
-                <a:srgbClr val="660033"/>
-              </a:solidFill>
-              <a:latin typeface="微軟正黑體" pitchFamily="34" charset="-120"/>
-              <a:ea typeface="微軟正黑體" pitchFamily="34" charset="-120"/>
-            </a:endParaRPr>
           </a:p>
         </p:txBody>
       </p:sp>
     </p:spTree>
     <p:extLst>
       <p:ext uri="{BB962C8B-B14F-4D97-AF65-F5344CB8AC3E}">
-        <p14:creationId xmlns:p14="http://schemas.microsoft.com/office/powerpoint/2010/main" val="3869058864"/>
+        <p14:creationId xmlns:p14="http://schemas.microsoft.com/office/powerpoint/2010/main" xmlns="" val="3869058864"/>
       </p:ext>
     </p:extLst>
   </p:cSld>
@@ -3834,7 +3796,7 @@
     </p:spTree>
     <p:extLst>
       <p:ext uri="{BB962C8B-B14F-4D97-AF65-F5344CB8AC3E}">
-        <p14:creationId xmlns:p14="http://schemas.microsoft.com/office/powerpoint/2010/main" val="439274442"/>
+        <p14:creationId xmlns:p14="http://schemas.microsoft.com/office/powerpoint/2010/main" xmlns="" val="439274442"/>
       </p:ext>
     </p:extLst>
   </p:cSld>
@@ -3918,13 +3880,6 @@
               </a:rPr>
               <a:t>主能除你罪污</a:t>
             </a:r>
-            <a:endParaRPr lang="zh-TW" altLang="en-US" sz="6400" b="1" dirty="0">
-              <a:solidFill>
-                <a:srgbClr val="660033"/>
-              </a:solidFill>
-              <a:latin typeface="微軟正黑體" pitchFamily="34" charset="-120"/>
-              <a:ea typeface="微軟正黑體" pitchFamily="34" charset="-120"/>
-            </a:endParaRPr>
           </a:p>
         </p:txBody>
       </p:sp>
@@ -3970,7 +3925,7 @@
     </p:spTree>
     <p:extLst>
       <p:ext uri="{BB962C8B-B14F-4D97-AF65-F5344CB8AC3E}">
-        <p14:creationId xmlns:p14="http://schemas.microsoft.com/office/powerpoint/2010/main" val="3239405994"/>
+        <p14:creationId xmlns:p14="http://schemas.microsoft.com/office/powerpoint/2010/main" xmlns="" val="3239405994"/>
       </p:ext>
     </p:extLst>
   </p:cSld>
@@ -4077,7 +4032,7 @@
     </p:spTree>
     <p:extLst>
       <p:ext uri="{BB962C8B-B14F-4D97-AF65-F5344CB8AC3E}">
-        <p14:creationId xmlns:p14="http://schemas.microsoft.com/office/powerpoint/2010/main" val="2176229045"/>
+        <p14:creationId xmlns:p14="http://schemas.microsoft.com/office/powerpoint/2010/main" xmlns="" val="2176229045"/>
       </p:ext>
     </p:extLst>
   </p:cSld>
@@ -4161,20 +4116,13 @@
               </a:rPr>
               <a:t>主除了我罪污</a:t>
             </a:r>
-            <a:endParaRPr lang="zh-TW" altLang="en-US" sz="6400" b="1" dirty="0">
-              <a:solidFill>
-                <a:srgbClr val="660033"/>
-              </a:solidFill>
-              <a:latin typeface="微軟正黑體" pitchFamily="34" charset="-120"/>
-              <a:ea typeface="微軟正黑體" pitchFamily="34" charset="-120"/>
-            </a:endParaRPr>
           </a:p>
         </p:txBody>
       </p:sp>
     </p:spTree>
     <p:extLst>
       <p:ext uri="{BB962C8B-B14F-4D97-AF65-F5344CB8AC3E}">
-        <p14:creationId xmlns:p14="http://schemas.microsoft.com/office/powerpoint/2010/main" val="2556600715"/>
+        <p14:creationId xmlns:p14="http://schemas.microsoft.com/office/powerpoint/2010/main" xmlns="" val="2556600715"/>
       </p:ext>
     </p:extLst>
   </p:cSld>
@@ -4241,22 +4189,37 @@
                 <a:latin typeface="微軟正黑體" pitchFamily="34" charset="-120"/>
                 <a:ea typeface="微軟正黑體" pitchFamily="34" charset="-120"/>
               </a:rPr>
-              <a:t>我就主時心憂傷身困倦</a:t>
-            </a:r>
-          </a:p>
-          <a:p>
-            <a:pPr algn="ctr">
-              <a:buNone/>
-            </a:pPr>
-            <a:r>
-              <a:rPr lang="zh-TW" altLang="en-US" sz="6400" b="1" dirty="0">
+              <a:t>我就主時心憂傷</a:t>
+            </a:r>
+            <a:r>
+              <a:rPr lang="zh-TW" altLang="en-US" sz="6400" b="1" dirty="0" smtClean="0">
                 <a:solidFill>
                   <a:srgbClr val="660033"/>
                 </a:solidFill>
                 <a:latin typeface="微軟正黑體" pitchFamily="34" charset="-120"/>
                 <a:ea typeface="微軟正黑體" pitchFamily="34" charset="-120"/>
               </a:rPr>
-              <a:t>主除了我罪污  主除了我罪污</a:t>
+              <a:t>身</a:t>
+            </a:r>
+            <a:r>
+              <a:rPr lang="zh-CN" altLang="en-US" sz="6400" b="1" smtClean="0">
+                <a:solidFill>
+                  <a:srgbClr val="660033"/>
+                </a:solidFill>
+                <a:latin typeface="微軟正黑體" pitchFamily="34" charset="-120"/>
+                <a:ea typeface="微軟正黑體" pitchFamily="34" charset="-120"/>
+              </a:rPr>
+              <a:t>疲</a:t>
+            </a:r>
+            <a:r>
+              <a:rPr lang="zh-TW" altLang="en-US" sz="6400" b="1" smtClean="0">
+                <a:solidFill>
+                  <a:srgbClr val="660033"/>
+                </a:solidFill>
+                <a:latin typeface="微軟正黑體" pitchFamily="34" charset="-120"/>
+                <a:ea typeface="微軟正黑體" pitchFamily="34" charset="-120"/>
+              </a:rPr>
+              <a:t>困</a:t>
             </a:r>
             <a:endParaRPr lang="zh-TW" altLang="en-US" sz="6400" b="1" dirty="0">
               <a:solidFill>
@@ -4265,6 +4228,21 @@
               <a:latin typeface="微軟正黑體" pitchFamily="34" charset="-120"/>
               <a:ea typeface="微軟正黑體" pitchFamily="34" charset="-120"/>
             </a:endParaRPr>
+          </a:p>
+          <a:p>
+            <a:pPr algn="ctr">
+              <a:buNone/>
+            </a:pPr>
+            <a:r>
+              <a:rPr lang="zh-TW" altLang="en-US" sz="6400" b="1" dirty="0">
+                <a:solidFill>
+                  <a:srgbClr val="660033"/>
+                </a:solidFill>
+                <a:latin typeface="微軟正黑體" pitchFamily="34" charset="-120"/>
+                <a:ea typeface="微軟正黑體" pitchFamily="34" charset="-120"/>
+              </a:rPr>
+              <a:t>主除了我罪污  主除了我罪污</a:t>
+            </a:r>
           </a:p>
         </p:txBody>
       </p:sp>
@@ -4310,7 +4288,7 @@
     </p:spTree>
     <p:extLst>
       <p:ext uri="{BB962C8B-B14F-4D97-AF65-F5344CB8AC3E}">
-        <p14:creationId xmlns:p14="http://schemas.microsoft.com/office/powerpoint/2010/main" val="3332149485"/>
+        <p14:creationId xmlns:p14="http://schemas.microsoft.com/office/powerpoint/2010/main" xmlns="" val="3332149485"/>
       </p:ext>
     </p:extLst>
   </p:cSld>
@@ -4394,13 +4372,6 @@
               </a:rPr>
               <a:t>主除了我罪污</a:t>
             </a:r>
-            <a:endParaRPr lang="zh-TW" altLang="en-US" sz="6400" b="1" dirty="0">
-              <a:solidFill>
-                <a:srgbClr val="660033"/>
-              </a:solidFill>
-              <a:latin typeface="微軟正黑體" pitchFamily="34" charset="-120"/>
-              <a:ea typeface="微軟正黑體" pitchFamily="34" charset="-120"/>
-            </a:endParaRPr>
           </a:p>
         </p:txBody>
       </p:sp>
@@ -4446,7 +4417,7 @@
     </p:spTree>
     <p:extLst>
       <p:ext uri="{BB962C8B-B14F-4D97-AF65-F5344CB8AC3E}">
-        <p14:creationId xmlns:p14="http://schemas.microsoft.com/office/powerpoint/2010/main" val="390750228"/>
+        <p14:creationId xmlns:p14="http://schemas.microsoft.com/office/powerpoint/2010/main" xmlns="" val="390750228"/>
       </p:ext>
     </p:extLst>
   </p:cSld>
@@ -4553,7 +4524,7 @@
     </p:spTree>
     <p:extLst>
       <p:ext uri="{BB962C8B-B14F-4D97-AF65-F5344CB8AC3E}">
-        <p14:creationId xmlns:p14="http://schemas.microsoft.com/office/powerpoint/2010/main" val="2105868012"/>
+        <p14:creationId xmlns:p14="http://schemas.microsoft.com/office/powerpoint/2010/main" xmlns="" val="2105868012"/>
       </p:ext>
     </p:extLst>
   </p:cSld>
@@ -4637,20 +4608,13 @@
               </a:rPr>
               <a:t>主除了我罪污</a:t>
             </a:r>
-            <a:endParaRPr lang="zh-TW" altLang="en-US" sz="6400" b="1" dirty="0">
-              <a:solidFill>
-                <a:srgbClr val="660033"/>
-              </a:solidFill>
-              <a:latin typeface="微軟正黑體" pitchFamily="34" charset="-120"/>
-              <a:ea typeface="微軟正黑體" pitchFamily="34" charset="-120"/>
-            </a:endParaRPr>
           </a:p>
         </p:txBody>
       </p:sp>
     </p:spTree>
     <p:extLst>
       <p:ext uri="{BB962C8B-B14F-4D97-AF65-F5344CB8AC3E}">
-        <p14:creationId xmlns:p14="http://schemas.microsoft.com/office/powerpoint/2010/main" val="2328447609"/>
+        <p14:creationId xmlns:p14="http://schemas.microsoft.com/office/powerpoint/2010/main" xmlns="" val="2328447609"/>
       </p:ext>
     </p:extLst>
   </p:cSld>
@@ -4754,13 +4718,6 @@
               </a:rPr>
               <a:t>主除了我罪污  主除了我罪污</a:t>
             </a:r>
-            <a:endParaRPr lang="zh-TW" altLang="en-US" sz="6400" b="1" dirty="0">
-              <a:solidFill>
-                <a:srgbClr val="660033"/>
-              </a:solidFill>
-              <a:latin typeface="微軟正黑體" pitchFamily="34" charset="-120"/>
-              <a:ea typeface="微軟正黑體" pitchFamily="34" charset="-120"/>
-            </a:endParaRPr>
           </a:p>
         </p:txBody>
       </p:sp>
@@ -4806,7 +4763,7 @@
     </p:spTree>
     <p:extLst>
       <p:ext uri="{BB962C8B-B14F-4D97-AF65-F5344CB8AC3E}">
-        <p14:creationId xmlns:p14="http://schemas.microsoft.com/office/powerpoint/2010/main" val="1107520916"/>
+        <p14:creationId xmlns:p14="http://schemas.microsoft.com/office/powerpoint/2010/main" xmlns="" val="1107520916"/>
       </p:ext>
     </p:extLst>
   </p:cSld>
@@ -4890,13 +4847,6 @@
               </a:rPr>
               <a:t>主除了我罪污</a:t>
             </a:r>
-            <a:endParaRPr lang="zh-TW" altLang="en-US" sz="6400" b="1" dirty="0">
-              <a:solidFill>
-                <a:srgbClr val="660033"/>
-              </a:solidFill>
-              <a:latin typeface="微軟正黑體" pitchFamily="34" charset="-120"/>
-              <a:ea typeface="微軟正黑體" pitchFamily="34" charset="-120"/>
-            </a:endParaRPr>
           </a:p>
         </p:txBody>
       </p:sp>
@@ -4942,7 +4892,7 @@
     </p:spTree>
     <p:extLst>
       <p:ext uri="{BB962C8B-B14F-4D97-AF65-F5344CB8AC3E}">
-        <p14:creationId xmlns:p14="http://schemas.microsoft.com/office/powerpoint/2010/main" val="80516313"/>
+        <p14:creationId xmlns:p14="http://schemas.microsoft.com/office/powerpoint/2010/main" xmlns="" val="80516313"/>
       </p:ext>
     </p:extLst>
   </p:cSld>
@@ -5049,7 +4999,7 @@
     </p:spTree>
     <p:extLst>
       <p:ext uri="{BB962C8B-B14F-4D97-AF65-F5344CB8AC3E}">
-        <p14:creationId xmlns:p14="http://schemas.microsoft.com/office/powerpoint/2010/main" val="2978340548"/>
+        <p14:creationId xmlns:p14="http://schemas.microsoft.com/office/powerpoint/2010/main" xmlns="" val="2978340548"/>
       </p:ext>
     </p:extLst>
   </p:cSld>
@@ -5133,20 +5083,13 @@
               </a:rPr>
               <a:t>主除了我罪污</a:t>
             </a:r>
-            <a:endParaRPr lang="zh-TW" altLang="en-US" sz="6400" b="1" dirty="0">
-              <a:solidFill>
-                <a:srgbClr val="660033"/>
-              </a:solidFill>
-              <a:latin typeface="微軟正黑體" pitchFamily="34" charset="-120"/>
-              <a:ea typeface="微軟正黑體" pitchFamily="34" charset="-120"/>
-            </a:endParaRPr>
           </a:p>
         </p:txBody>
       </p:sp>
     </p:spTree>
     <p:extLst>
       <p:ext uri="{BB962C8B-B14F-4D97-AF65-F5344CB8AC3E}">
-        <p14:creationId xmlns:p14="http://schemas.microsoft.com/office/powerpoint/2010/main" val="2340355355"/>
+        <p14:creationId xmlns:p14="http://schemas.microsoft.com/office/powerpoint/2010/main" xmlns="" val="2340355355"/>
       </p:ext>
     </p:extLst>
   </p:cSld>

--- a/宣道詩/(宣道詩41)主除了我罪污.pptx
+++ b/宣道詩/(宣道詩41)主除了我罪污.pptx
@@ -122,7 +122,7 @@
   </p:defaultTextStyle>
   <p:extLst>
     <p:ext uri="{EFAFB233-063F-42B5-8137-9DF3F51BA10A}">
-      <p15:sldGuideLst xmlns:p15="http://schemas.microsoft.com/office/powerpoint/2012/main" xmlns="">
+      <p15:sldGuideLst xmlns:p15="http://schemas.microsoft.com/office/powerpoint/2012/main">
         <p15:guide id="1" orient="horz" pos="2160" userDrawn="1">
           <p15:clr>
             <a:srgbClr val="A4A3A4"/>
@@ -321,7 +321,7 @@
             <a:fld id="{1A769E83-1B29-49CE-AA64-0CA30BAC09D0}" type="datetimeFigureOut">
               <a:rPr lang="zh-TW" altLang="en-US" smtClean="0"/>
               <a:pPr/>
-              <a:t>2023/1/10</a:t>
+              <a:t>2023/8/26</a:t>
             </a:fld>
             <a:endParaRPr lang="zh-TW" altLang="en-US"/>
           </a:p>
@@ -488,7 +488,7 @@
             <a:fld id="{1A769E83-1B29-49CE-AA64-0CA30BAC09D0}" type="datetimeFigureOut">
               <a:rPr lang="zh-TW" altLang="en-US" smtClean="0"/>
               <a:pPr/>
-              <a:t>2023/1/10</a:t>
+              <a:t>2023/8/26</a:t>
             </a:fld>
             <a:endParaRPr lang="zh-TW" altLang="en-US"/>
           </a:p>
@@ -665,7 +665,7 @@
             <a:fld id="{1A769E83-1B29-49CE-AA64-0CA30BAC09D0}" type="datetimeFigureOut">
               <a:rPr lang="zh-TW" altLang="en-US" smtClean="0"/>
               <a:pPr/>
-              <a:t>2023/1/10</a:t>
+              <a:t>2023/8/26</a:t>
             </a:fld>
             <a:endParaRPr lang="zh-TW" altLang="en-US"/>
           </a:p>
@@ -832,7 +832,7 @@
             <a:fld id="{1A769E83-1B29-49CE-AA64-0CA30BAC09D0}" type="datetimeFigureOut">
               <a:rPr lang="zh-TW" altLang="en-US" smtClean="0"/>
               <a:pPr/>
-              <a:t>2023/1/10</a:t>
+              <a:t>2023/8/26</a:t>
             </a:fld>
             <a:endParaRPr lang="zh-TW" altLang="en-US"/>
           </a:p>
@@ -1075,7 +1075,7 @@
             <a:fld id="{1A769E83-1B29-49CE-AA64-0CA30BAC09D0}" type="datetimeFigureOut">
               <a:rPr lang="zh-TW" altLang="en-US" smtClean="0"/>
               <a:pPr/>
-              <a:t>2023/1/10</a:t>
+              <a:t>2023/8/26</a:t>
             </a:fld>
             <a:endParaRPr lang="zh-TW" altLang="en-US"/>
           </a:p>
@@ -1360,7 +1360,7 @@
             <a:fld id="{1A769E83-1B29-49CE-AA64-0CA30BAC09D0}" type="datetimeFigureOut">
               <a:rPr lang="zh-TW" altLang="en-US" smtClean="0"/>
               <a:pPr/>
-              <a:t>2023/1/10</a:t>
+              <a:t>2023/8/26</a:t>
             </a:fld>
             <a:endParaRPr lang="zh-TW" altLang="en-US"/>
           </a:p>
@@ -1779,7 +1779,7 @@
             <a:fld id="{1A769E83-1B29-49CE-AA64-0CA30BAC09D0}" type="datetimeFigureOut">
               <a:rPr lang="zh-TW" altLang="en-US" smtClean="0"/>
               <a:pPr/>
-              <a:t>2023/1/10</a:t>
+              <a:t>2023/8/26</a:t>
             </a:fld>
             <a:endParaRPr lang="zh-TW" altLang="en-US"/>
           </a:p>
@@ -1894,7 +1894,7 @@
             <a:fld id="{1A769E83-1B29-49CE-AA64-0CA30BAC09D0}" type="datetimeFigureOut">
               <a:rPr lang="zh-TW" altLang="en-US" smtClean="0"/>
               <a:pPr/>
-              <a:t>2023/1/10</a:t>
+              <a:t>2023/8/26</a:t>
             </a:fld>
             <a:endParaRPr lang="zh-TW" altLang="en-US"/>
           </a:p>
@@ -1986,7 +1986,7 @@
             <a:fld id="{1A769E83-1B29-49CE-AA64-0CA30BAC09D0}" type="datetimeFigureOut">
               <a:rPr lang="zh-TW" altLang="en-US" smtClean="0"/>
               <a:pPr/>
-              <a:t>2023/1/10</a:t>
+              <a:t>2023/8/26</a:t>
             </a:fld>
             <a:endParaRPr lang="zh-TW" altLang="en-US"/>
           </a:p>
@@ -2260,7 +2260,7 @@
             <a:fld id="{1A769E83-1B29-49CE-AA64-0CA30BAC09D0}" type="datetimeFigureOut">
               <a:rPr lang="zh-TW" altLang="en-US" smtClean="0"/>
               <a:pPr/>
-              <a:t>2023/1/10</a:t>
+              <a:t>2023/8/26</a:t>
             </a:fld>
             <a:endParaRPr lang="zh-TW" altLang="en-US"/>
           </a:p>
@@ -2514,7 +2514,7 @@
             <a:fld id="{1A769E83-1B29-49CE-AA64-0CA30BAC09D0}" type="datetimeFigureOut">
               <a:rPr lang="zh-TW" altLang="en-US" smtClean="0"/>
               <a:pPr/>
-              <a:t>2023/1/10</a:t>
+              <a:t>2023/8/26</a:t>
             </a:fld>
             <a:endParaRPr lang="zh-TW" altLang="en-US"/>
           </a:p>
@@ -2729,7 +2729,7 @@
             <a:fld id="{1A769E83-1B29-49CE-AA64-0CA30BAC09D0}" type="datetimeFigureOut">
               <a:rPr lang="zh-TW" altLang="en-US" smtClean="0"/>
               <a:pPr/>
-              <a:t>2023/1/10</a:t>
+              <a:t>2023/8/26</a:t>
             </a:fld>
             <a:endParaRPr lang="zh-TW" altLang="en-US"/>
           </a:p>
@@ -3212,7 +3212,7 @@
     </p:spTree>
     <p:extLst>
       <p:ext uri="{BB962C8B-B14F-4D97-AF65-F5344CB8AC3E}">
-        <p14:creationId xmlns:p14="http://schemas.microsoft.com/office/powerpoint/2010/main" xmlns="" val="4195152716"/>
+        <p14:creationId xmlns:p14="http://schemas.microsoft.com/office/powerpoint/2010/main" val="4195152716"/>
       </p:ext>
     </p:extLst>
   </p:cSld>
@@ -3308,7 +3308,7 @@
         <p:spPr>
           <a:xfrm>
             <a:off x="0" y="5349214"/>
-            <a:ext cx="12192000" cy="830997"/>
+            <a:ext cx="12192000" cy="646331"/>
           </a:xfrm>
           <a:prstGeom prst="rect">
             <a:avLst/>
@@ -3323,14 +3323,30 @@
           <a:p>
             <a:pPr algn="ctr"/>
             <a:r>
-              <a:rPr lang="en-US" sz="4800" b="1" dirty="0">
-                <a:solidFill>
-                  <a:srgbClr val="660033"/>
-                </a:solidFill>
-              </a:rPr>
-              <a:t>( 3 )</a:t>
-            </a:r>
-            <a:endParaRPr lang="vi-VN" sz="4800" b="1" dirty="0">
+              <a:rPr lang="en-US" sz="3600" b="1" dirty="0">
+                <a:solidFill>
+                  <a:srgbClr val="660033"/>
+                </a:solidFill>
+              </a:rPr>
+              <a:t>( </a:t>
+            </a:r>
+            <a:r>
+              <a:rPr lang="en-US" sz="3600" b="1" dirty="0">
+                <a:solidFill>
+                  <a:srgbClr val="660033"/>
+                </a:solidFill>
+              </a:rPr>
+              <a:t>3 </a:t>
+            </a:r>
+            <a:r>
+              <a:rPr lang="en-US" sz="3600" b="1" dirty="0">
+                <a:solidFill>
+                  <a:srgbClr val="660033"/>
+                </a:solidFill>
+              </a:rPr>
+              <a:t>/ 4 )</a:t>
+            </a:r>
+            <a:endParaRPr lang="vi-VN" sz="3600" b="1" dirty="0">
               <a:solidFill>
                 <a:srgbClr val="660033"/>
               </a:solidFill>
@@ -3341,7 +3357,7 @@
     </p:spTree>
     <p:extLst>
       <p:ext uri="{BB962C8B-B14F-4D97-AF65-F5344CB8AC3E}">
-        <p14:creationId xmlns:p14="http://schemas.microsoft.com/office/powerpoint/2010/main" xmlns="" val="1580130658"/>
+        <p14:creationId xmlns:p14="http://schemas.microsoft.com/office/powerpoint/2010/main" val="1580130658"/>
       </p:ext>
     </p:extLst>
   </p:cSld>
@@ -3437,7 +3453,7 @@
         <p:spPr>
           <a:xfrm>
             <a:off x="0" y="5349214"/>
-            <a:ext cx="12192000" cy="830997"/>
+            <a:ext cx="12192000" cy="646331"/>
           </a:xfrm>
           <a:prstGeom prst="rect">
             <a:avLst/>
@@ -3452,14 +3468,14 @@
           <a:p>
             <a:pPr algn="ctr"/>
             <a:r>
-              <a:rPr lang="en-US" sz="4800" b="1" dirty="0">
-                <a:solidFill>
-                  <a:srgbClr val="660033"/>
-                </a:solidFill>
-              </a:rPr>
-              <a:t>( 3 )</a:t>
-            </a:r>
-            <a:endParaRPr lang="vi-VN" sz="4800" b="1" dirty="0">
+              <a:rPr lang="en-US" sz="3600" b="1" dirty="0">
+                <a:solidFill>
+                  <a:srgbClr val="660033"/>
+                </a:solidFill>
+              </a:rPr>
+              <a:t>( 3 / 4 )</a:t>
+            </a:r>
+            <a:endParaRPr lang="vi-VN" sz="3600" b="1" dirty="0">
               <a:solidFill>
                 <a:srgbClr val="660033"/>
               </a:solidFill>
@@ -3470,7 +3486,7 @@
     </p:spTree>
     <p:extLst>
       <p:ext uri="{BB962C8B-B14F-4D97-AF65-F5344CB8AC3E}">
-        <p14:creationId xmlns:p14="http://schemas.microsoft.com/office/powerpoint/2010/main" xmlns="" val="1316155453"/>
+        <p14:creationId xmlns:p14="http://schemas.microsoft.com/office/powerpoint/2010/main" val="1316155453"/>
       </p:ext>
     </p:extLst>
   </p:cSld>
@@ -3577,7 +3593,7 @@
     </p:spTree>
     <p:extLst>
       <p:ext uri="{BB962C8B-B14F-4D97-AF65-F5344CB8AC3E}">
-        <p14:creationId xmlns:p14="http://schemas.microsoft.com/office/powerpoint/2010/main" xmlns="" val="3332256834"/>
+        <p14:creationId xmlns:p14="http://schemas.microsoft.com/office/powerpoint/2010/main" val="3332256834"/>
       </p:ext>
     </p:extLst>
   </p:cSld>
@@ -3667,7 +3683,7 @@
     </p:spTree>
     <p:extLst>
       <p:ext uri="{BB962C8B-B14F-4D97-AF65-F5344CB8AC3E}">
-        <p14:creationId xmlns:p14="http://schemas.microsoft.com/office/powerpoint/2010/main" xmlns="" val="3869058864"/>
+        <p14:creationId xmlns:p14="http://schemas.microsoft.com/office/powerpoint/2010/main" val="3869058864"/>
       </p:ext>
     </p:extLst>
   </p:cSld>
@@ -3763,7 +3779,7 @@
         <p:spPr>
           <a:xfrm>
             <a:off x="0" y="5349214"/>
-            <a:ext cx="12192000" cy="830997"/>
+            <a:ext cx="12192000" cy="646331"/>
           </a:xfrm>
           <a:prstGeom prst="rect">
             <a:avLst/>
@@ -3778,14 +3794,30 @@
           <a:p>
             <a:pPr algn="ctr"/>
             <a:r>
-              <a:rPr lang="en-US" sz="4800" b="1" dirty="0">
-                <a:solidFill>
-                  <a:srgbClr val="660033"/>
-                </a:solidFill>
-              </a:rPr>
-              <a:t>( 4 )</a:t>
-            </a:r>
-            <a:endParaRPr lang="vi-VN" sz="4800" b="1" dirty="0">
+              <a:rPr lang="en-US" sz="3600" b="1" dirty="0">
+                <a:solidFill>
+                  <a:srgbClr val="660033"/>
+                </a:solidFill>
+              </a:rPr>
+              <a:t>( </a:t>
+            </a:r>
+            <a:r>
+              <a:rPr lang="en-US" sz="3600" b="1" dirty="0">
+                <a:solidFill>
+                  <a:srgbClr val="660033"/>
+                </a:solidFill>
+              </a:rPr>
+              <a:t>4 </a:t>
+            </a:r>
+            <a:r>
+              <a:rPr lang="en-US" sz="3600" b="1" dirty="0">
+                <a:solidFill>
+                  <a:srgbClr val="660033"/>
+                </a:solidFill>
+              </a:rPr>
+              <a:t>/ 4 )</a:t>
+            </a:r>
+            <a:endParaRPr lang="vi-VN" sz="3600" b="1" dirty="0">
               <a:solidFill>
                 <a:srgbClr val="660033"/>
               </a:solidFill>
@@ -3796,7 +3828,7 @@
     </p:spTree>
     <p:extLst>
       <p:ext uri="{BB962C8B-B14F-4D97-AF65-F5344CB8AC3E}">
-        <p14:creationId xmlns:p14="http://schemas.microsoft.com/office/powerpoint/2010/main" xmlns="" val="439274442"/>
+        <p14:creationId xmlns:p14="http://schemas.microsoft.com/office/powerpoint/2010/main" val="439274442"/>
       </p:ext>
     </p:extLst>
   </p:cSld>
@@ -3892,7 +3924,7 @@
         <p:spPr>
           <a:xfrm>
             <a:off x="0" y="5349214"/>
-            <a:ext cx="12192000" cy="830997"/>
+            <a:ext cx="12192000" cy="646331"/>
           </a:xfrm>
           <a:prstGeom prst="rect">
             <a:avLst/>
@@ -3907,14 +3939,14 @@
           <a:p>
             <a:pPr algn="ctr"/>
             <a:r>
-              <a:rPr lang="en-US" sz="4800" b="1" dirty="0">
-                <a:solidFill>
-                  <a:srgbClr val="660033"/>
-                </a:solidFill>
-              </a:rPr>
-              <a:t>( 4 )</a:t>
-            </a:r>
-            <a:endParaRPr lang="vi-VN" sz="4800" b="1" dirty="0">
+              <a:rPr lang="en-US" sz="3600" b="1" dirty="0">
+                <a:solidFill>
+                  <a:srgbClr val="660033"/>
+                </a:solidFill>
+              </a:rPr>
+              <a:t>( 4 / 4 )</a:t>
+            </a:r>
+            <a:endParaRPr lang="vi-VN" sz="3600" b="1" dirty="0">
               <a:solidFill>
                 <a:srgbClr val="660033"/>
               </a:solidFill>
@@ -3925,7 +3957,7 @@
     </p:spTree>
     <p:extLst>
       <p:ext uri="{BB962C8B-B14F-4D97-AF65-F5344CB8AC3E}">
-        <p14:creationId xmlns:p14="http://schemas.microsoft.com/office/powerpoint/2010/main" xmlns="" val="3239405994"/>
+        <p14:creationId xmlns:p14="http://schemas.microsoft.com/office/powerpoint/2010/main" val="3239405994"/>
       </p:ext>
     </p:extLst>
   </p:cSld>
@@ -4032,7 +4064,7 @@
     </p:spTree>
     <p:extLst>
       <p:ext uri="{BB962C8B-B14F-4D97-AF65-F5344CB8AC3E}">
-        <p14:creationId xmlns:p14="http://schemas.microsoft.com/office/powerpoint/2010/main" xmlns="" val="2176229045"/>
+        <p14:creationId xmlns:p14="http://schemas.microsoft.com/office/powerpoint/2010/main" val="2176229045"/>
       </p:ext>
     </p:extLst>
   </p:cSld>
@@ -4122,7 +4154,7 @@
     </p:spTree>
     <p:extLst>
       <p:ext uri="{BB962C8B-B14F-4D97-AF65-F5344CB8AC3E}">
-        <p14:creationId xmlns:p14="http://schemas.microsoft.com/office/powerpoint/2010/main" xmlns="" val="2556600715"/>
+        <p14:creationId xmlns:p14="http://schemas.microsoft.com/office/powerpoint/2010/main" val="2556600715"/>
       </p:ext>
     </p:extLst>
   </p:cSld>
@@ -4255,7 +4287,7 @@
         <p:spPr>
           <a:xfrm>
             <a:off x="0" y="5349214"/>
-            <a:ext cx="12192000" cy="830997"/>
+            <a:ext cx="12192000" cy="646331"/>
           </a:xfrm>
           <a:prstGeom prst="rect">
             <a:avLst/>
@@ -4270,14 +4302,30 @@
           <a:p>
             <a:pPr algn="ctr"/>
             <a:r>
-              <a:rPr lang="en-US" sz="4800" b="1" dirty="0">
-                <a:solidFill>
-                  <a:srgbClr val="660033"/>
-                </a:solidFill>
-              </a:rPr>
-              <a:t>( 1 )</a:t>
-            </a:r>
-            <a:endParaRPr lang="vi-VN" sz="4800" b="1" dirty="0">
+              <a:rPr lang="en-US" sz="3600" b="1" dirty="0">
+                <a:solidFill>
+                  <a:srgbClr val="660033"/>
+                </a:solidFill>
+              </a:rPr>
+              <a:t>( </a:t>
+            </a:r>
+            <a:r>
+              <a:rPr lang="en-US" sz="3600" b="1" dirty="0" smtClean="0">
+                <a:solidFill>
+                  <a:srgbClr val="660033"/>
+                </a:solidFill>
+              </a:rPr>
+              <a:t>1 / 4 </a:t>
+            </a:r>
+            <a:r>
+              <a:rPr lang="en-US" sz="3600" b="1" dirty="0">
+                <a:solidFill>
+                  <a:srgbClr val="660033"/>
+                </a:solidFill>
+              </a:rPr>
+              <a:t>)</a:t>
+            </a:r>
+            <a:endParaRPr lang="vi-VN" sz="3600" b="1" dirty="0">
               <a:solidFill>
                 <a:srgbClr val="660033"/>
               </a:solidFill>
@@ -4288,7 +4336,7 @@
     </p:spTree>
     <p:extLst>
       <p:ext uri="{BB962C8B-B14F-4D97-AF65-F5344CB8AC3E}">
-        <p14:creationId xmlns:p14="http://schemas.microsoft.com/office/powerpoint/2010/main" xmlns="" val="3332149485"/>
+        <p14:creationId xmlns:p14="http://schemas.microsoft.com/office/powerpoint/2010/main" val="3332149485"/>
       </p:ext>
     </p:extLst>
   </p:cSld>
@@ -4384,7 +4432,7 @@
         <p:spPr>
           <a:xfrm>
             <a:off x="0" y="5349214"/>
-            <a:ext cx="12192000" cy="830997"/>
+            <a:ext cx="12192000" cy="646331"/>
           </a:xfrm>
           <a:prstGeom prst="rect">
             <a:avLst/>
@@ -4399,14 +4447,14 @@
           <a:p>
             <a:pPr algn="ctr"/>
             <a:r>
-              <a:rPr lang="en-US" sz="4800" b="1" dirty="0">
-                <a:solidFill>
-                  <a:srgbClr val="660033"/>
-                </a:solidFill>
-              </a:rPr>
-              <a:t>( 1 )</a:t>
-            </a:r>
-            <a:endParaRPr lang="vi-VN" sz="4800" b="1" dirty="0">
+              <a:rPr lang="en-US" sz="3600" b="1" dirty="0">
+                <a:solidFill>
+                  <a:srgbClr val="660033"/>
+                </a:solidFill>
+              </a:rPr>
+              <a:t>( 1 / 4 )</a:t>
+            </a:r>
+            <a:endParaRPr lang="vi-VN" sz="3600" b="1" dirty="0">
               <a:solidFill>
                 <a:srgbClr val="660033"/>
               </a:solidFill>
@@ -4417,7 +4465,7 @@
     </p:spTree>
     <p:extLst>
       <p:ext uri="{BB962C8B-B14F-4D97-AF65-F5344CB8AC3E}">
-        <p14:creationId xmlns:p14="http://schemas.microsoft.com/office/powerpoint/2010/main" xmlns="" val="390750228"/>
+        <p14:creationId xmlns:p14="http://schemas.microsoft.com/office/powerpoint/2010/main" val="390750228"/>
       </p:ext>
     </p:extLst>
   </p:cSld>
@@ -4524,7 +4572,7 @@
     </p:spTree>
     <p:extLst>
       <p:ext uri="{BB962C8B-B14F-4D97-AF65-F5344CB8AC3E}">
-        <p14:creationId xmlns:p14="http://schemas.microsoft.com/office/powerpoint/2010/main" xmlns="" val="2105868012"/>
+        <p14:creationId xmlns:p14="http://schemas.microsoft.com/office/powerpoint/2010/main" val="2105868012"/>
       </p:ext>
     </p:extLst>
   </p:cSld>
@@ -4614,7 +4662,7 @@
     </p:spTree>
     <p:extLst>
       <p:ext uri="{BB962C8B-B14F-4D97-AF65-F5344CB8AC3E}">
-        <p14:creationId xmlns:p14="http://schemas.microsoft.com/office/powerpoint/2010/main" xmlns="" val="2328447609"/>
+        <p14:creationId xmlns:p14="http://schemas.microsoft.com/office/powerpoint/2010/main" val="2328447609"/>
       </p:ext>
     </p:extLst>
   </p:cSld>
@@ -4730,7 +4778,7 @@
         <p:spPr>
           <a:xfrm>
             <a:off x="0" y="5349214"/>
-            <a:ext cx="12192000" cy="830997"/>
+            <a:ext cx="12192000" cy="646331"/>
           </a:xfrm>
           <a:prstGeom prst="rect">
             <a:avLst/>
@@ -4745,14 +4793,30 @@
           <a:p>
             <a:pPr algn="ctr"/>
             <a:r>
-              <a:rPr lang="en-US" sz="4800" b="1" dirty="0">
-                <a:solidFill>
-                  <a:srgbClr val="660033"/>
-                </a:solidFill>
-              </a:rPr>
-              <a:t>( 2 )</a:t>
-            </a:r>
-            <a:endParaRPr lang="vi-VN" sz="4800" b="1" dirty="0">
+              <a:rPr lang="en-US" sz="3600" b="1" dirty="0">
+                <a:solidFill>
+                  <a:srgbClr val="660033"/>
+                </a:solidFill>
+              </a:rPr>
+              <a:t>( </a:t>
+            </a:r>
+            <a:r>
+              <a:rPr lang="en-US" sz="3600" b="1" dirty="0">
+                <a:solidFill>
+                  <a:srgbClr val="660033"/>
+                </a:solidFill>
+              </a:rPr>
+              <a:t>2 </a:t>
+            </a:r>
+            <a:r>
+              <a:rPr lang="en-US" sz="3600" b="1" dirty="0">
+                <a:solidFill>
+                  <a:srgbClr val="660033"/>
+                </a:solidFill>
+              </a:rPr>
+              <a:t>/ 4 )</a:t>
+            </a:r>
+            <a:endParaRPr lang="vi-VN" sz="3600" b="1" dirty="0">
               <a:solidFill>
                 <a:srgbClr val="660033"/>
               </a:solidFill>
@@ -4763,7 +4827,7 @@
     </p:spTree>
     <p:extLst>
       <p:ext uri="{BB962C8B-B14F-4D97-AF65-F5344CB8AC3E}">
-        <p14:creationId xmlns:p14="http://schemas.microsoft.com/office/powerpoint/2010/main" xmlns="" val="1107520916"/>
+        <p14:creationId xmlns:p14="http://schemas.microsoft.com/office/powerpoint/2010/main" val="1107520916"/>
       </p:ext>
     </p:extLst>
   </p:cSld>
@@ -4859,7 +4923,7 @@
         <p:spPr>
           <a:xfrm>
             <a:off x="0" y="5349214"/>
-            <a:ext cx="12192000" cy="830997"/>
+            <a:ext cx="12192000" cy="646331"/>
           </a:xfrm>
           <a:prstGeom prst="rect">
             <a:avLst/>
@@ -4874,14 +4938,14 @@
           <a:p>
             <a:pPr algn="ctr"/>
             <a:r>
-              <a:rPr lang="en-US" sz="4800" b="1" dirty="0">
-                <a:solidFill>
-                  <a:srgbClr val="660033"/>
-                </a:solidFill>
-              </a:rPr>
-              <a:t>( 2 )</a:t>
-            </a:r>
-            <a:endParaRPr lang="vi-VN" sz="4800" b="1" dirty="0">
+              <a:rPr lang="en-US" sz="3600" b="1" dirty="0">
+                <a:solidFill>
+                  <a:srgbClr val="660033"/>
+                </a:solidFill>
+              </a:rPr>
+              <a:t>( 2 / 4 )</a:t>
+            </a:r>
+            <a:endParaRPr lang="vi-VN" sz="3600" b="1" dirty="0">
               <a:solidFill>
                 <a:srgbClr val="660033"/>
               </a:solidFill>
@@ -4892,7 +4956,7 @@
     </p:spTree>
     <p:extLst>
       <p:ext uri="{BB962C8B-B14F-4D97-AF65-F5344CB8AC3E}">
-        <p14:creationId xmlns:p14="http://schemas.microsoft.com/office/powerpoint/2010/main" xmlns="" val="80516313"/>
+        <p14:creationId xmlns:p14="http://schemas.microsoft.com/office/powerpoint/2010/main" val="80516313"/>
       </p:ext>
     </p:extLst>
   </p:cSld>
@@ -4999,7 +5063,7 @@
     </p:spTree>
     <p:extLst>
       <p:ext uri="{BB962C8B-B14F-4D97-AF65-F5344CB8AC3E}">
-        <p14:creationId xmlns:p14="http://schemas.microsoft.com/office/powerpoint/2010/main" xmlns="" val="2978340548"/>
+        <p14:creationId xmlns:p14="http://schemas.microsoft.com/office/powerpoint/2010/main" val="2978340548"/>
       </p:ext>
     </p:extLst>
   </p:cSld>
@@ -5089,7 +5153,7 @@
     </p:spTree>
     <p:extLst>
       <p:ext uri="{BB962C8B-B14F-4D97-AF65-F5344CB8AC3E}">
-        <p14:creationId xmlns:p14="http://schemas.microsoft.com/office/powerpoint/2010/main" xmlns="" val="2340355355"/>
+        <p14:creationId xmlns:p14="http://schemas.microsoft.com/office/powerpoint/2010/main" val="2340355355"/>
       </p:ext>
     </p:extLst>
   </p:cSld>
